--- a/memo/課題検討hayakawa.pptx
+++ b/memo/課題検討hayakawa.pptx
@@ -9,12 +9,14 @@
     <p:sldId id="258" r:id="rId3"/>
     <p:sldId id="257" r:id="rId4"/>
     <p:sldId id="261" r:id="rId5"/>
-    <p:sldId id="262" r:id="rId6"/>
-    <p:sldId id="263" r:id="rId7"/>
-    <p:sldId id="260" r:id="rId8"/>
-    <p:sldId id="259" r:id="rId9"/>
-    <p:sldId id="264" r:id="rId10"/>
-    <p:sldId id="265" r:id="rId11"/>
+    <p:sldId id="266" r:id="rId6"/>
+    <p:sldId id="262" r:id="rId7"/>
+    <p:sldId id="270" r:id="rId8"/>
+    <p:sldId id="264" r:id="rId9"/>
+    <p:sldId id="267" r:id="rId10"/>
+    <p:sldId id="268" r:id="rId11"/>
+    <p:sldId id="269" r:id="rId12"/>
+    <p:sldId id="265" r:id="rId13"/>
   </p:sldIdLst>
   <p:sldSz cx="12192000" cy="6858000"/>
   <p:notesSz cx="6858000" cy="9144000"/>
@@ -252,7 +254,7 @@
           <a:p>
             <a:fld id="{D8466799-0CE0-4409-9247-CB6BD1851FF2}" type="datetimeFigureOut">
               <a:rPr kumimoji="1" lang="ja-JP" altLang="en-US" smtClean="0"/>
-              <a:t>2016/7/30</a:t>
+              <a:t>2016/7/31</a:t>
             </a:fld>
             <a:endParaRPr kumimoji="1" lang="ja-JP" altLang="en-US"/>
           </a:p>
@@ -454,7 +456,7 @@
           <a:p>
             <a:fld id="{D8466799-0CE0-4409-9247-CB6BD1851FF2}" type="datetimeFigureOut">
               <a:rPr kumimoji="1" lang="ja-JP" altLang="en-US" smtClean="0"/>
-              <a:t>2016/7/30</a:t>
+              <a:t>2016/7/31</a:t>
             </a:fld>
             <a:endParaRPr kumimoji="1" lang="ja-JP" altLang="en-US"/>
           </a:p>
@@ -666,7 +668,7 @@
           <a:p>
             <a:fld id="{D8466799-0CE0-4409-9247-CB6BD1851FF2}" type="datetimeFigureOut">
               <a:rPr kumimoji="1" lang="ja-JP" altLang="en-US" smtClean="0"/>
-              <a:t>2016/7/30</a:t>
+              <a:t>2016/7/31</a:t>
             </a:fld>
             <a:endParaRPr kumimoji="1" lang="ja-JP" altLang="en-US"/>
           </a:p>
@@ -868,7 +870,7 @@
           <a:p>
             <a:fld id="{D8466799-0CE0-4409-9247-CB6BD1851FF2}" type="datetimeFigureOut">
               <a:rPr kumimoji="1" lang="ja-JP" altLang="en-US" smtClean="0"/>
-              <a:t>2016/7/30</a:t>
+              <a:t>2016/7/31</a:t>
             </a:fld>
             <a:endParaRPr kumimoji="1" lang="ja-JP" altLang="en-US"/>
           </a:p>
@@ -1114,7 +1116,7 @@
           <a:p>
             <a:fld id="{D8466799-0CE0-4409-9247-CB6BD1851FF2}" type="datetimeFigureOut">
               <a:rPr kumimoji="1" lang="ja-JP" altLang="en-US" smtClean="0"/>
-              <a:t>2016/7/30</a:t>
+              <a:t>2016/7/31</a:t>
             </a:fld>
             <a:endParaRPr kumimoji="1" lang="ja-JP" altLang="en-US"/>
           </a:p>
@@ -1410,7 +1412,7 @@
           <a:p>
             <a:fld id="{D8466799-0CE0-4409-9247-CB6BD1851FF2}" type="datetimeFigureOut">
               <a:rPr kumimoji="1" lang="ja-JP" altLang="en-US" smtClean="0"/>
-              <a:t>2016/7/30</a:t>
+              <a:t>2016/7/31</a:t>
             </a:fld>
             <a:endParaRPr kumimoji="1" lang="ja-JP" altLang="en-US"/>
           </a:p>
@@ -1841,7 +1843,7 @@
           <a:p>
             <a:fld id="{D8466799-0CE0-4409-9247-CB6BD1851FF2}" type="datetimeFigureOut">
               <a:rPr kumimoji="1" lang="ja-JP" altLang="en-US" smtClean="0"/>
-              <a:t>2016/7/30</a:t>
+              <a:t>2016/7/31</a:t>
             </a:fld>
             <a:endParaRPr kumimoji="1" lang="ja-JP" altLang="en-US"/>
           </a:p>
@@ -1959,7 +1961,7 @@
           <a:p>
             <a:fld id="{D8466799-0CE0-4409-9247-CB6BD1851FF2}" type="datetimeFigureOut">
               <a:rPr kumimoji="1" lang="ja-JP" altLang="en-US" smtClean="0"/>
-              <a:t>2016/7/30</a:t>
+              <a:t>2016/7/31</a:t>
             </a:fld>
             <a:endParaRPr kumimoji="1" lang="ja-JP" altLang="en-US"/>
           </a:p>
@@ -2054,7 +2056,7 @@
           <a:p>
             <a:fld id="{D8466799-0CE0-4409-9247-CB6BD1851FF2}" type="datetimeFigureOut">
               <a:rPr kumimoji="1" lang="ja-JP" altLang="en-US" smtClean="0"/>
-              <a:t>2016/7/30</a:t>
+              <a:t>2016/7/31</a:t>
             </a:fld>
             <a:endParaRPr kumimoji="1" lang="ja-JP" altLang="en-US"/>
           </a:p>
@@ -2363,7 +2365,7 @@
           <a:p>
             <a:fld id="{D8466799-0CE0-4409-9247-CB6BD1851FF2}" type="datetimeFigureOut">
               <a:rPr kumimoji="1" lang="ja-JP" altLang="en-US" smtClean="0"/>
-              <a:t>2016/7/30</a:t>
+              <a:t>2016/7/31</a:t>
             </a:fld>
             <a:endParaRPr kumimoji="1" lang="ja-JP" altLang="en-US"/>
           </a:p>
@@ -2616,7 +2618,7 @@
           <a:p>
             <a:fld id="{D8466799-0CE0-4409-9247-CB6BD1851FF2}" type="datetimeFigureOut">
               <a:rPr kumimoji="1" lang="ja-JP" altLang="en-US" smtClean="0"/>
-              <a:t>2016/7/30</a:t>
+              <a:t>2016/7/31</a:t>
             </a:fld>
             <a:endParaRPr kumimoji="1" lang="ja-JP" altLang="en-US"/>
           </a:p>
@@ -2861,7 +2863,7 @@
           <a:p>
             <a:fld id="{D8466799-0CE0-4409-9247-CB6BD1851FF2}" type="datetimeFigureOut">
               <a:rPr kumimoji="1" lang="ja-JP" altLang="en-US" smtClean="0"/>
-              <a:t>2016/7/30</a:t>
+              <a:t>2016/7/31</a:t>
             </a:fld>
             <a:endParaRPr kumimoji="1" lang="ja-JP" altLang="en-US"/>
           </a:p>
@@ -3281,7 +3283,26 @@
           <a:bodyPr/>
           <a:lstStyle/>
           <a:p>
-            <a:endParaRPr kumimoji="1" lang="ja-JP" altLang="en-US"/>
+            <a:r>
+              <a:rPr lang="ja-JP" altLang="en-US" dirty="0" smtClean="0"/>
+              <a:t>交互通行区間で譲り合う</a:t>
+            </a:r>
+            <a:r>
+              <a:rPr lang="en-US" altLang="ja-JP" dirty="0" smtClean="0"/>
+              <a:t/>
+            </a:r>
+            <a:br>
+              <a:rPr lang="en-US" altLang="ja-JP" dirty="0" smtClean="0"/>
+            </a:br>
+            <a:r>
+              <a:rPr lang="ja-JP" altLang="en-US" dirty="0" smtClean="0"/>
+              <a:t>自律走行</a:t>
+            </a:r>
+            <a:r>
+              <a:rPr kumimoji="1" lang="ja-JP" altLang="en-US" dirty="0" smtClean="0"/>
+              <a:t>タクシー</a:t>
+            </a:r>
+            <a:endParaRPr kumimoji="1" lang="ja-JP" altLang="en-US" dirty="0"/>
           </a:p>
         </p:txBody>
       </p:sp>
@@ -3341,6 +3362,60 @@
           <a:chExt cx="0" cy="0"/>
         </a:xfrm>
       </p:grpSpPr>
+      <p:pic>
+        <p:nvPicPr>
+          <p:cNvPr id="4" name="図 3"/>
+          <p:cNvPicPr>
+            <a:picLocks noChangeAspect="1"/>
+          </p:cNvPicPr>
+          <p:nvPr/>
+        </p:nvPicPr>
+        <p:blipFill>
+          <a:blip r:embed="rId2"/>
+          <a:stretch>
+            <a:fillRect/>
+          </a:stretch>
+        </p:blipFill>
+        <p:spPr>
+          <a:xfrm>
+            <a:off x="111095" y="675249"/>
+            <a:ext cx="11978823" cy="6108236"/>
+          </a:xfrm>
+          <a:prstGeom prst="rect">
+            <a:avLst/>
+          </a:prstGeom>
+        </p:spPr>
+      </p:pic>
+    </p:spTree>
+    <p:extLst>
+      <p:ext uri="{BB962C8B-B14F-4D97-AF65-F5344CB8AC3E}">
+        <p14:creationId xmlns:p14="http://schemas.microsoft.com/office/powerpoint/2010/main" val="1983755877"/>
+      </p:ext>
+    </p:extLst>
+  </p:cSld>
+  <p:clrMapOvr>
+    <a:masterClrMapping/>
+  </p:clrMapOvr>
+</p:sld>
+</file>
+
+<file path=ppt/slides/slide11.xml><?xml version="1.0" encoding="utf-8"?>
+<p:sld xmlns:a="http://schemas.openxmlformats.org/drawingml/2006/main" xmlns:r="http://schemas.openxmlformats.org/officeDocument/2006/relationships" xmlns:p="http://schemas.openxmlformats.org/presentationml/2006/main">
+  <p:cSld>
+    <p:spTree>
+      <p:nvGrpSpPr>
+        <p:cNvPr id="1" name=""/>
+        <p:cNvGrpSpPr/>
+        <p:nvPr/>
+      </p:nvGrpSpPr>
+      <p:grpSpPr>
+        <a:xfrm>
+          <a:off x="0" y="0"/>
+          <a:ext cx="0" cy="0"/>
+          <a:chOff x="0" y="0"/>
+          <a:chExt cx="0" cy="0"/>
+        </a:xfrm>
+      </p:grpSpPr>
       <p:sp>
         <p:nvSpPr>
           <p:cNvPr id="2" name="タイトル 1"/>
@@ -3356,10 +3431,361 @@
           <a:bodyPr/>
           <a:lstStyle/>
           <a:p>
-            <a:endParaRPr kumimoji="1" lang="ja-JP" altLang="en-US"/>
-          </a:p>
-        </p:txBody>
-      </p:sp>
+            <a:r>
+              <a:rPr kumimoji="1" lang="ja-JP" altLang="en-US" dirty="0" smtClean="0"/>
+              <a:t>交互通行</a:t>
+            </a:r>
+            <a:r>
+              <a:rPr kumimoji="1" lang="ja-JP" altLang="en-US" dirty="0" smtClean="0"/>
+              <a:t>方式（実習用）</a:t>
+            </a:r>
+            <a:endParaRPr kumimoji="1" lang="ja-JP" altLang="en-US" dirty="0"/>
+          </a:p>
+        </p:txBody>
+      </p:sp>
+      <p:sp>
+        <p:nvSpPr>
+          <p:cNvPr id="3" name="コンテンツ プレースホルダー 2"/>
+          <p:cNvSpPr>
+            <a:spLocks noGrp="1"/>
+          </p:cNvSpPr>
+          <p:nvPr>
+            <p:ph idx="1"/>
+          </p:nvPr>
+        </p:nvSpPr>
+        <p:spPr/>
+        <p:txBody>
+          <a:bodyPr/>
+          <a:lstStyle/>
+          <a:p>
+            <a:pPr marL="514350" indent="-514350">
+              <a:buFont typeface="+mj-lt"/>
+              <a:buAutoNum type="arabicPeriod"/>
+            </a:pPr>
+            <a:r>
+              <a:rPr kumimoji="1" lang="ja-JP" altLang="en-US" dirty="0" smtClean="0"/>
+              <a:t>自律判断（超音波）で確認して</a:t>
+            </a:r>
+            <a:r>
+              <a:rPr lang="ja-JP" altLang="en-US" dirty="0" smtClean="0"/>
+              <a:t>通行する。</a:t>
+            </a:r>
+            <a:endParaRPr lang="en-US" altLang="ja-JP" dirty="0" smtClean="0"/>
+          </a:p>
+          <a:p>
+            <a:pPr lvl="1"/>
+            <a:r>
+              <a:rPr kumimoji="1" lang="ja-JP" altLang="en-US" dirty="0" smtClean="0"/>
+              <a:t>課題</a:t>
+            </a:r>
+            <a:endParaRPr kumimoji="1" lang="en-US" altLang="ja-JP" dirty="0" smtClean="0"/>
+          </a:p>
+          <a:p>
+            <a:pPr lvl="2"/>
+            <a:r>
+              <a:rPr kumimoji="1" lang="ja-JP" altLang="en-US" dirty="0" smtClean="0"/>
+              <a:t>同じ</a:t>
+            </a:r>
+            <a:r>
+              <a:rPr kumimoji="1" lang="ja-JP" altLang="en-US" dirty="0" smtClean="0"/>
+              <a:t>タイミングで相手がいる場合、デッドロックになる</a:t>
+            </a:r>
+            <a:r>
+              <a:rPr kumimoji="1" lang="ja-JP" altLang="en-US" dirty="0" smtClean="0"/>
+              <a:t>。</a:t>
+            </a:r>
+            <a:endParaRPr kumimoji="1" lang="en-US" altLang="ja-JP" dirty="0" smtClean="0"/>
+          </a:p>
+          <a:p>
+            <a:pPr lvl="2"/>
+            <a:r>
+              <a:rPr kumimoji="1" lang="ja-JP" altLang="en-US" dirty="0" smtClean="0"/>
+              <a:t>１台に優先権を与えると、他方が橋に進入中で入ってしまう。</a:t>
+            </a:r>
+            <a:endParaRPr kumimoji="1" lang="en-US" altLang="ja-JP" dirty="0" smtClean="0"/>
+          </a:p>
+          <a:p>
+            <a:pPr lvl="2"/>
+            <a:endParaRPr kumimoji="1" lang="en-US" altLang="ja-JP" dirty="0" smtClean="0"/>
+          </a:p>
+          <a:p>
+            <a:pPr marL="514350" indent="-514350">
+              <a:buFont typeface="+mj-lt"/>
+              <a:buAutoNum type="arabicPeriod"/>
+            </a:pPr>
+            <a:r>
+              <a:rPr kumimoji="1" lang="ja-JP" altLang="en-US" dirty="0" smtClean="0"/>
+              <a:t>課題の解決方法案</a:t>
+            </a:r>
+            <a:endParaRPr kumimoji="1" lang="en-US" altLang="ja-JP" dirty="0" smtClean="0"/>
+          </a:p>
+          <a:p>
+            <a:pPr lvl="1"/>
+            <a:r>
+              <a:rPr kumimoji="1" lang="ja-JP" altLang="en-US" dirty="0" smtClean="0"/>
+              <a:t>タクシーに機能追加をする。</a:t>
+            </a:r>
+            <a:endParaRPr kumimoji="1" lang="en-US" altLang="ja-JP" dirty="0" smtClean="0"/>
+          </a:p>
+          <a:p>
+            <a:pPr lvl="2"/>
+            <a:r>
+              <a:rPr kumimoji="1" lang="ja-JP" altLang="en-US" dirty="0" smtClean="0">
+                <a:solidFill>
+                  <a:srgbClr val="00B0F0"/>
+                </a:solidFill>
+              </a:rPr>
+              <a:t>バックできる。　相手への信号をつける。　</a:t>
+            </a:r>
+            <a:endParaRPr kumimoji="1" lang="en-US" altLang="ja-JP" dirty="0" smtClean="0">
+              <a:solidFill>
+                <a:srgbClr val="00B0F0"/>
+              </a:solidFill>
+            </a:endParaRPr>
+          </a:p>
+          <a:p>
+            <a:pPr lvl="1"/>
+            <a:r>
+              <a:rPr lang="ja-JP" altLang="en-US" dirty="0" smtClean="0"/>
+              <a:t>システム</a:t>
+            </a:r>
+            <a:r>
+              <a:rPr lang="ja-JP" altLang="en-US" dirty="0" smtClean="0"/>
+              <a:t>側に機能を追加する。</a:t>
+            </a:r>
+            <a:endParaRPr lang="en-US" altLang="ja-JP" dirty="0" smtClean="0"/>
+          </a:p>
+          <a:p>
+            <a:pPr lvl="2"/>
+            <a:r>
+              <a:rPr lang="ja-JP" altLang="en-US" dirty="0" smtClean="0">
+                <a:solidFill>
+                  <a:srgbClr val="00B0F0"/>
+                </a:solidFill>
+              </a:rPr>
+              <a:t>通行権を取得しないと通過できない。</a:t>
+            </a:r>
+            <a:endParaRPr lang="en-US" altLang="ja-JP" dirty="0" smtClean="0">
+              <a:solidFill>
+                <a:srgbClr val="00B0F0"/>
+              </a:solidFill>
+            </a:endParaRPr>
+          </a:p>
+        </p:txBody>
+      </p:sp>
+    </p:spTree>
+    <p:extLst>
+      <p:ext uri="{BB962C8B-B14F-4D97-AF65-F5344CB8AC3E}">
+        <p14:creationId xmlns:p14="http://schemas.microsoft.com/office/powerpoint/2010/main" val="4159529997"/>
+      </p:ext>
+    </p:extLst>
+  </p:cSld>
+  <p:clrMapOvr>
+    <a:masterClrMapping/>
+  </p:clrMapOvr>
+  <p:timing>
+    <p:tnLst>
+      <p:par>
+        <p:cTn id="1" dur="indefinite" restart="never" nodeType="tmRoot"/>
+      </p:par>
+    </p:tnLst>
+  </p:timing>
+</p:sld>
+</file>
+
+<file path=ppt/slides/slide12.xml><?xml version="1.0" encoding="utf-8"?>
+<p:sld xmlns:a="http://schemas.openxmlformats.org/drawingml/2006/main" xmlns:r="http://schemas.openxmlformats.org/officeDocument/2006/relationships" xmlns:p="http://schemas.openxmlformats.org/presentationml/2006/main">
+  <p:cSld>
+    <p:spTree>
+      <p:nvGrpSpPr>
+        <p:cNvPr id="1" name=""/>
+        <p:cNvGrpSpPr/>
+        <p:nvPr/>
+      </p:nvGrpSpPr>
+      <p:grpSpPr>
+        <a:xfrm>
+          <a:off x="0" y="0"/>
+          <a:ext cx="0" cy="0"/>
+          <a:chOff x="0" y="0"/>
+          <a:chExt cx="0" cy="0"/>
+        </a:xfrm>
+      </p:grpSpPr>
+      <p:sp>
+        <p:nvSpPr>
+          <p:cNvPr id="4" name="タイトル 3"/>
+          <p:cNvSpPr>
+            <a:spLocks noGrp="1"/>
+          </p:cNvSpPr>
+          <p:nvPr>
+            <p:ph type="title"/>
+          </p:nvPr>
+        </p:nvSpPr>
+        <p:spPr/>
+        <p:txBody>
+          <a:bodyPr/>
+          <a:lstStyle/>
+          <a:p>
+            <a:r>
+              <a:rPr kumimoji="1" lang="ja-JP" altLang="en-US" dirty="0" smtClean="0"/>
+              <a:t>回答例</a:t>
+            </a:r>
+            <a:endParaRPr kumimoji="1" lang="ja-JP" altLang="en-US" dirty="0"/>
+          </a:p>
+        </p:txBody>
+      </p:sp>
+      <p:sp>
+        <p:nvSpPr>
+          <p:cNvPr id="5" name="コンテンツ プレースホルダー 4"/>
+          <p:cNvSpPr>
+            <a:spLocks noGrp="1"/>
+          </p:cNvSpPr>
+          <p:nvPr>
+            <p:ph idx="1"/>
+          </p:nvPr>
+        </p:nvSpPr>
+        <p:spPr>
+          <a:xfrm>
+            <a:off x="7716128" y="1825625"/>
+            <a:ext cx="3637671" cy="4351338"/>
+          </a:xfrm>
+        </p:spPr>
+        <p:txBody>
+          <a:bodyPr/>
+          <a:lstStyle/>
+          <a:p>
+            <a:r>
+              <a:rPr lang="ja-JP" altLang="en-US" dirty="0" smtClean="0"/>
+              <a:t>走行権を取得して走行するようにする。</a:t>
+            </a:r>
+            <a:endParaRPr lang="en-US" altLang="ja-JP" dirty="0" smtClean="0"/>
+          </a:p>
+          <a:p>
+            <a:endParaRPr kumimoji="1" lang="en-US" altLang="ja-JP" dirty="0" smtClean="0"/>
+          </a:p>
+          <a:p>
+            <a:r>
+              <a:rPr lang="ja-JP" altLang="en-US" dirty="0" smtClean="0"/>
+              <a:t>タクシーの機能追加が最小。</a:t>
+            </a:r>
+            <a:endParaRPr lang="en-US" altLang="ja-JP" dirty="0"/>
+          </a:p>
+          <a:p>
+            <a:endParaRPr kumimoji="1" lang="en-US" altLang="ja-JP" dirty="0"/>
+          </a:p>
+          <a:p>
+            <a:r>
+              <a:rPr kumimoji="1" lang="ja-JP" altLang="en-US" dirty="0" smtClean="0"/>
+              <a:t>３台以上でも成立</a:t>
+            </a:r>
+            <a:r>
+              <a:rPr lang="ja-JP" altLang="en-US" dirty="0" smtClean="0"/>
+              <a:t>。</a:t>
+            </a:r>
+            <a:endParaRPr kumimoji="1" lang="en-US" altLang="ja-JP" dirty="0" smtClean="0"/>
+          </a:p>
+        </p:txBody>
+      </p:sp>
+      <p:pic>
+        <p:nvPicPr>
+          <p:cNvPr id="6" name="図 5"/>
+          <p:cNvPicPr>
+            <a:picLocks noChangeAspect="1"/>
+          </p:cNvPicPr>
+          <p:nvPr/>
+        </p:nvPicPr>
+        <p:blipFill>
+          <a:blip r:embed="rId2"/>
+          <a:stretch>
+            <a:fillRect/>
+          </a:stretch>
+        </p:blipFill>
+        <p:spPr>
+          <a:xfrm>
+            <a:off x="838200" y="1825625"/>
+            <a:ext cx="5904784" cy="4457334"/>
+          </a:xfrm>
+          <a:prstGeom prst="rect">
+            <a:avLst/>
+          </a:prstGeom>
+        </p:spPr>
+      </p:pic>
+      <p:sp>
+        <p:nvSpPr>
+          <p:cNvPr id="7" name="円/楕円 6"/>
+          <p:cNvSpPr/>
+          <p:nvPr/>
+        </p:nvSpPr>
+        <p:spPr>
+          <a:xfrm>
+            <a:off x="5338690" y="2338106"/>
+            <a:ext cx="2096086" cy="970671"/>
+          </a:xfrm>
+          <a:prstGeom prst="ellipse">
+            <a:avLst/>
+          </a:prstGeom>
+        </p:spPr>
+        <p:style>
+          <a:lnRef idx="2">
+            <a:schemeClr val="accent1">
+              <a:shade val="50000"/>
+            </a:schemeClr>
+          </a:lnRef>
+          <a:fillRef idx="1">
+            <a:schemeClr val="accent1"/>
+          </a:fillRef>
+          <a:effectRef idx="0">
+            <a:schemeClr val="accent1"/>
+          </a:effectRef>
+          <a:fontRef idx="minor">
+            <a:schemeClr val="lt1"/>
+          </a:fontRef>
+        </p:style>
+        <p:txBody>
+          <a:bodyPr rtlCol="0" anchor="ctr"/>
+          <a:lstStyle/>
+          <a:p>
+            <a:pPr algn="ctr"/>
+            <a:r>
+              <a:rPr lang="ja-JP" altLang="en-US" dirty="0" smtClean="0"/>
+              <a:t>走行権を管理する</a:t>
+            </a:r>
+            <a:endParaRPr kumimoji="1" lang="ja-JP" altLang="en-US" dirty="0"/>
+          </a:p>
+        </p:txBody>
+      </p:sp>
+      <p:cxnSp>
+        <p:nvCxnSpPr>
+          <p:cNvPr id="10" name="直線矢印コネクタ 9"/>
+          <p:cNvCxnSpPr/>
+          <p:nvPr/>
+        </p:nvCxnSpPr>
+        <p:spPr>
+          <a:xfrm flipV="1">
+            <a:off x="4368018" y="3376246"/>
+            <a:ext cx="1821767" cy="1941342"/>
+          </a:xfrm>
+          <a:prstGeom prst="straightConnector1">
+            <a:avLst/>
+          </a:prstGeom>
+          <a:ln w="76200">
+            <a:tailEnd type="triangle"/>
+          </a:ln>
+        </p:spPr>
+        <p:style>
+          <a:lnRef idx="1">
+            <a:schemeClr val="accent1"/>
+          </a:lnRef>
+          <a:fillRef idx="0">
+            <a:schemeClr val="accent1"/>
+          </a:fillRef>
+          <a:effectRef idx="0">
+            <a:schemeClr val="accent1"/>
+          </a:effectRef>
+          <a:fontRef idx="minor">
+            <a:schemeClr val="tx1"/>
+          </a:fontRef>
+        </p:style>
+      </p:cxnSp>
     </p:spTree>
     <p:extLst>
       <p:ext uri="{BB962C8B-B14F-4D97-AF65-F5344CB8AC3E}">
@@ -4783,7 +5209,55 @@
       </p:grpSpPr>
       <p:sp>
         <p:nvSpPr>
-          <p:cNvPr id="2" name="タイトル 1"/>
+          <p:cNvPr id="25" name="フローチャート: 端子 24"/>
+          <p:cNvSpPr/>
+          <p:nvPr/>
+        </p:nvSpPr>
+        <p:spPr>
+          <a:xfrm>
+            <a:off x="6365629" y="2779529"/>
+            <a:ext cx="4860389" cy="1736733"/>
+          </a:xfrm>
+          <a:prstGeom prst="flowChartTerminator">
+            <a:avLst/>
+          </a:prstGeom>
+          <a:noFill/>
+          <a:ln w="190500">
+            <a:solidFill>
+              <a:schemeClr val="bg2">
+                <a:lumMod val="75000"/>
+              </a:schemeClr>
+            </a:solidFill>
+          </a:ln>
+        </p:spPr>
+        <p:style>
+          <a:lnRef idx="2">
+            <a:schemeClr val="accent1">
+              <a:shade val="50000"/>
+            </a:schemeClr>
+          </a:lnRef>
+          <a:fillRef idx="1">
+            <a:schemeClr val="accent1"/>
+          </a:fillRef>
+          <a:effectRef idx="0">
+            <a:schemeClr val="accent1"/>
+          </a:effectRef>
+          <a:fontRef idx="minor">
+            <a:schemeClr val="lt1"/>
+          </a:fontRef>
+        </p:style>
+        <p:txBody>
+          <a:bodyPr rtlCol="0" anchor="ctr"/>
+          <a:lstStyle/>
+          <a:p>
+            <a:pPr algn="ctr"/>
+            <a:endParaRPr kumimoji="1" lang="ja-JP" altLang="en-US"/>
+          </a:p>
+        </p:txBody>
+      </p:sp>
+      <p:sp>
+        <p:nvSpPr>
+          <p:cNvPr id="4" name="タイトル 3"/>
           <p:cNvSpPr>
             <a:spLocks noGrp="1"/>
           </p:cNvSpPr>
@@ -4791,6 +5265,34 @@
             <p:ph type="title"/>
           </p:nvPr>
         </p:nvSpPr>
+        <p:spPr>
+          <a:xfrm>
+            <a:off x="838200" y="364774"/>
+            <a:ext cx="10515600" cy="1325563"/>
+          </a:xfrm>
+        </p:spPr>
+        <p:txBody>
+          <a:bodyPr/>
+          <a:lstStyle/>
+          <a:p>
+            <a:r>
+              <a:rPr kumimoji="1" lang="ja-JP" altLang="en-US" dirty="0" smtClean="0"/>
+              <a:t>実際の走行コース</a:t>
+            </a:r>
+            <a:endParaRPr kumimoji="1" lang="ja-JP" altLang="en-US" dirty="0"/>
+          </a:p>
+        </p:txBody>
+      </p:sp>
+      <p:sp>
+        <p:nvSpPr>
+          <p:cNvPr id="26" name="コンテンツ プレースホルダー 25"/>
+          <p:cNvSpPr>
+            <a:spLocks noGrp="1"/>
+          </p:cNvSpPr>
+          <p:nvPr>
+            <p:ph idx="1"/>
+          </p:nvPr>
+        </p:nvSpPr>
         <p:spPr/>
         <p:txBody>
           <a:bodyPr/>
@@ -4798,7 +5300,115 @@
           <a:p>
             <a:r>
               <a:rPr kumimoji="1" lang="ja-JP" altLang="en-US" dirty="0" smtClean="0"/>
-              <a:t>交互通行方式</a:t>
+              <a:t>道路は、黒色と灰色で識別。</a:t>
+            </a:r>
+            <a:endParaRPr kumimoji="1" lang="en-US" altLang="ja-JP" dirty="0" smtClean="0"/>
+          </a:p>
+          <a:p>
+            <a:r>
+              <a:rPr lang="ja-JP" altLang="en-US" dirty="0"/>
+              <a:t>色</a:t>
+            </a:r>
+            <a:r>
+              <a:rPr lang="ja-JP" altLang="en-US" dirty="0" smtClean="0"/>
+              <a:t>の変わり目が乗降場。</a:t>
+            </a:r>
+            <a:endParaRPr lang="en-US" altLang="ja-JP" dirty="0" smtClean="0"/>
+          </a:p>
+          <a:p>
+            <a:r>
+              <a:rPr lang="en-US" altLang="ja-JP" dirty="0" err="1"/>
+              <a:t>d</a:t>
+            </a:r>
+            <a:r>
+              <a:rPr lang="en-US" altLang="ja-JP" dirty="0" err="1" smtClean="0"/>
+              <a:t>,e</a:t>
+            </a:r>
+            <a:r>
+              <a:rPr lang="en-US" altLang="ja-JP" dirty="0" smtClean="0"/>
+              <a:t> </a:t>
+            </a:r>
+            <a:r>
+              <a:rPr lang="ja-JP" altLang="en-US" dirty="0" smtClean="0"/>
+              <a:t>が橋の入り口。</a:t>
+            </a:r>
+            <a:endParaRPr kumimoji="1" lang="en-US" altLang="ja-JP" dirty="0" smtClean="0"/>
+          </a:p>
+        </p:txBody>
+      </p:sp>
+      <p:sp>
+        <p:nvSpPr>
+          <p:cNvPr id="5" name="フローチャート: 端子 4"/>
+          <p:cNvSpPr/>
+          <p:nvPr/>
+        </p:nvSpPr>
+        <p:spPr>
+          <a:xfrm>
+            <a:off x="6365629" y="900332"/>
+            <a:ext cx="4860389" cy="1736733"/>
+          </a:xfrm>
+          <a:prstGeom prst="flowChartTerminator">
+            <a:avLst/>
+          </a:prstGeom>
+          <a:noFill/>
+          <a:ln w="190500">
+            <a:solidFill>
+              <a:schemeClr val="bg2">
+                <a:lumMod val="75000"/>
+              </a:schemeClr>
+            </a:solidFill>
+          </a:ln>
+        </p:spPr>
+        <p:style>
+          <a:lnRef idx="2">
+            <a:schemeClr val="accent1">
+              <a:shade val="50000"/>
+            </a:schemeClr>
+          </a:lnRef>
+          <a:fillRef idx="1">
+            <a:schemeClr val="accent1"/>
+          </a:fillRef>
+          <a:effectRef idx="0">
+            <a:schemeClr val="accent1"/>
+          </a:effectRef>
+          <a:fontRef idx="minor">
+            <a:schemeClr val="lt1"/>
+          </a:fontRef>
+        </p:style>
+        <p:txBody>
+          <a:bodyPr rtlCol="0" anchor="ctr"/>
+          <a:lstStyle/>
+          <a:p>
+            <a:pPr algn="ctr"/>
+            <a:endParaRPr kumimoji="1" lang="ja-JP" altLang="en-US"/>
+          </a:p>
+        </p:txBody>
+      </p:sp>
+      <p:sp>
+        <p:nvSpPr>
+          <p:cNvPr id="9" name="テキスト ボックス 8"/>
+          <p:cNvSpPr txBox="1"/>
+          <p:nvPr/>
+        </p:nvSpPr>
+        <p:spPr>
+          <a:xfrm>
+            <a:off x="8015689" y="2897039"/>
+            <a:ext cx="2217108" cy="369332"/>
+          </a:xfrm>
+          <a:prstGeom prst="rect">
+            <a:avLst/>
+          </a:prstGeom>
+          <a:noFill/>
+        </p:spPr>
+        <p:txBody>
+          <a:bodyPr wrap="square" rtlCol="0">
+            <a:spAutoFit/>
+          </a:bodyPr>
+          <a:lstStyle/>
+          <a:p>
+            <a:r>
+              <a:rPr kumimoji="1" lang="ja-JP" altLang="en-US" dirty="0" smtClean="0"/>
+              <a:t>交互通行エリア</a:t>
             </a:r>
             <a:endParaRPr kumimoji="1" lang="ja-JP" altLang="en-US" dirty="0"/>
           </a:p>
@@ -4806,122 +5416,720 @@
       </p:sp>
       <p:sp>
         <p:nvSpPr>
-          <p:cNvPr id="3" name="コンテンツ プレースホルダー 2"/>
-          <p:cNvSpPr>
-            <a:spLocks noGrp="1"/>
-          </p:cNvSpPr>
-          <p:nvPr>
-            <p:ph idx="1"/>
-          </p:nvPr>
-        </p:nvSpPr>
-        <p:spPr/>
-        <p:txBody>
-          <a:bodyPr/>
-          <a:lstStyle/>
-          <a:p>
-            <a:pPr marL="514350" indent="-514350">
-              <a:buFont typeface="+mj-lt"/>
-              <a:buAutoNum type="arabicPeriod"/>
-            </a:pPr>
+          <p:cNvPr id="11" name="円形吹き出し 10"/>
+          <p:cNvSpPr/>
+          <p:nvPr/>
+        </p:nvSpPr>
+        <p:spPr>
+          <a:xfrm>
+            <a:off x="6725844" y="1817197"/>
+            <a:ext cx="494778" cy="400833"/>
+          </a:xfrm>
+          <a:prstGeom prst="wedgeEllipseCallout">
+            <a:avLst>
+              <a:gd name="adj1" fmla="val -25719"/>
+              <a:gd name="adj2" fmla="val 89563"/>
+            </a:avLst>
+          </a:prstGeom>
+        </p:spPr>
+        <p:style>
+          <a:lnRef idx="2">
+            <a:schemeClr val="accent2">
+              <a:shade val="50000"/>
+            </a:schemeClr>
+          </a:lnRef>
+          <a:fillRef idx="1">
+            <a:schemeClr val="accent2"/>
+          </a:fillRef>
+          <a:effectRef idx="0">
+            <a:schemeClr val="accent2"/>
+          </a:effectRef>
+          <a:fontRef idx="minor">
+            <a:schemeClr val="lt1"/>
+          </a:fontRef>
+        </p:style>
+        <p:txBody>
+          <a:bodyPr rtlCol="0" anchor="ctr"/>
+          <a:lstStyle/>
+          <a:p>
+            <a:pPr algn="ctr"/>
+            <a:r>
+              <a:rPr kumimoji="1" lang="en-US" altLang="ja-JP" dirty="0" smtClean="0"/>
+              <a:t>c</a:t>
+            </a:r>
+            <a:endParaRPr kumimoji="1" lang="ja-JP" altLang="en-US" dirty="0"/>
+          </a:p>
+        </p:txBody>
+      </p:sp>
+      <p:sp>
+        <p:nvSpPr>
+          <p:cNvPr id="12" name="円形吹き出し 11"/>
+          <p:cNvSpPr/>
+          <p:nvPr/>
+        </p:nvSpPr>
+        <p:spPr>
+          <a:xfrm>
+            <a:off x="7547269" y="1935029"/>
+            <a:ext cx="494778" cy="400833"/>
+          </a:xfrm>
+          <a:prstGeom prst="wedgeEllipseCallout">
+            <a:avLst>
+              <a:gd name="adj1" fmla="val -403"/>
+              <a:gd name="adj2" fmla="val 100500"/>
+            </a:avLst>
+          </a:prstGeom>
+        </p:spPr>
+        <p:style>
+          <a:lnRef idx="2">
+            <a:schemeClr val="accent1">
+              <a:shade val="50000"/>
+            </a:schemeClr>
+          </a:lnRef>
+          <a:fillRef idx="1">
+            <a:schemeClr val="accent1"/>
+          </a:fillRef>
+          <a:effectRef idx="0">
+            <a:schemeClr val="accent1"/>
+          </a:effectRef>
+          <a:fontRef idx="minor">
+            <a:schemeClr val="lt1"/>
+          </a:fontRef>
+        </p:style>
+        <p:txBody>
+          <a:bodyPr rtlCol="0" anchor="ctr"/>
+          <a:lstStyle/>
+          <a:p>
+            <a:pPr algn="ctr"/>
+            <a:r>
+              <a:rPr kumimoji="1" lang="en-US" altLang="ja-JP" dirty="0" smtClean="0"/>
+              <a:t>a</a:t>
+            </a:r>
+            <a:endParaRPr kumimoji="1" lang="ja-JP" altLang="en-US" dirty="0"/>
+          </a:p>
+        </p:txBody>
+      </p:sp>
+      <p:sp>
+        <p:nvSpPr>
+          <p:cNvPr id="13" name="円形吹き出し 12"/>
+          <p:cNvSpPr/>
+          <p:nvPr/>
+        </p:nvSpPr>
+        <p:spPr>
+          <a:xfrm>
+            <a:off x="9673824" y="1964754"/>
+            <a:ext cx="494778" cy="400833"/>
+          </a:xfrm>
+          <a:prstGeom prst="wedgeEllipseCallout">
+            <a:avLst>
+              <a:gd name="adj1" fmla="val -403"/>
+              <a:gd name="adj2" fmla="val 100500"/>
+            </a:avLst>
+          </a:prstGeom>
+        </p:spPr>
+        <p:style>
+          <a:lnRef idx="2">
+            <a:schemeClr val="accent4">
+              <a:shade val="50000"/>
+            </a:schemeClr>
+          </a:lnRef>
+          <a:fillRef idx="1">
+            <a:schemeClr val="accent4"/>
+          </a:fillRef>
+          <a:effectRef idx="0">
+            <a:schemeClr val="accent4"/>
+          </a:effectRef>
+          <a:fontRef idx="minor">
+            <a:schemeClr val="lt1"/>
+          </a:fontRef>
+        </p:style>
+        <p:txBody>
+          <a:bodyPr rtlCol="0" anchor="ctr"/>
+          <a:lstStyle/>
+          <a:p>
+            <a:pPr algn="ctr"/>
+            <a:r>
+              <a:rPr kumimoji="1" lang="en-US" altLang="ja-JP" dirty="0" smtClean="0"/>
+              <a:t>b</a:t>
+            </a:r>
+            <a:endParaRPr kumimoji="1" lang="ja-JP" altLang="en-US" dirty="0"/>
+          </a:p>
+        </p:txBody>
+      </p:sp>
+      <p:sp>
+        <p:nvSpPr>
+          <p:cNvPr id="14" name="円形吹き出し 13"/>
+          <p:cNvSpPr/>
+          <p:nvPr/>
+        </p:nvSpPr>
+        <p:spPr>
+          <a:xfrm>
+            <a:off x="10485411" y="1721654"/>
+            <a:ext cx="494778" cy="400833"/>
+          </a:xfrm>
+          <a:prstGeom prst="wedgeEllipseCallout">
+            <a:avLst>
+              <a:gd name="adj1" fmla="val 14787"/>
+              <a:gd name="adj2" fmla="val 94250"/>
+            </a:avLst>
+          </a:prstGeom>
+        </p:spPr>
+        <p:style>
+          <a:lnRef idx="2">
+            <a:schemeClr val="accent2">
+              <a:shade val="50000"/>
+            </a:schemeClr>
+          </a:lnRef>
+          <a:fillRef idx="1">
+            <a:schemeClr val="accent2"/>
+          </a:fillRef>
+          <a:effectRef idx="0">
+            <a:schemeClr val="accent2"/>
+          </a:effectRef>
+          <a:fontRef idx="minor">
+            <a:schemeClr val="lt1"/>
+          </a:fontRef>
+        </p:style>
+        <p:txBody>
+          <a:bodyPr rtlCol="0" anchor="ctr"/>
+          <a:lstStyle/>
+          <a:p>
+            <a:pPr algn="ctr"/>
+            <a:r>
+              <a:rPr kumimoji="1" lang="en-US" altLang="ja-JP" dirty="0" smtClean="0"/>
+              <a:t>d</a:t>
+            </a:r>
+            <a:endParaRPr kumimoji="1" lang="ja-JP" altLang="en-US" dirty="0"/>
+          </a:p>
+        </p:txBody>
+      </p:sp>
+      <p:sp>
+        <p:nvSpPr>
+          <p:cNvPr id="15" name="円形吹き出し 14"/>
+          <p:cNvSpPr/>
+          <p:nvPr/>
+        </p:nvSpPr>
+        <p:spPr>
+          <a:xfrm>
+            <a:off x="6695881" y="3097542"/>
+            <a:ext cx="494778" cy="400833"/>
+          </a:xfrm>
+          <a:prstGeom prst="wedgeEllipseCallout">
+            <a:avLst>
+              <a:gd name="adj1" fmla="val -33314"/>
+              <a:gd name="adj2" fmla="val -82312"/>
+            </a:avLst>
+          </a:prstGeom>
+        </p:spPr>
+        <p:style>
+          <a:lnRef idx="2">
+            <a:schemeClr val="accent6">
+              <a:shade val="50000"/>
+            </a:schemeClr>
+          </a:lnRef>
+          <a:fillRef idx="1">
+            <a:schemeClr val="accent6"/>
+          </a:fillRef>
+          <a:effectRef idx="0">
+            <a:schemeClr val="accent6"/>
+          </a:effectRef>
+          <a:fontRef idx="minor">
+            <a:schemeClr val="lt1"/>
+          </a:fontRef>
+        </p:style>
+        <p:txBody>
+          <a:bodyPr rtlCol="0" anchor="ctr"/>
+          <a:lstStyle/>
+          <a:p>
+            <a:pPr algn="ctr"/>
+            <a:r>
+              <a:rPr kumimoji="1" lang="en-US" altLang="ja-JP" dirty="0" smtClean="0"/>
+              <a:t>e</a:t>
+            </a:r>
+            <a:endParaRPr kumimoji="1" lang="ja-JP" altLang="en-US" dirty="0"/>
+          </a:p>
+        </p:txBody>
+      </p:sp>
+      <p:sp>
+        <p:nvSpPr>
+          <p:cNvPr id="16" name="円形吹き出し 15"/>
+          <p:cNvSpPr/>
+          <p:nvPr/>
+        </p:nvSpPr>
+        <p:spPr>
+          <a:xfrm>
+            <a:off x="10516207" y="3206303"/>
+            <a:ext cx="494778" cy="400833"/>
+          </a:xfrm>
+          <a:prstGeom prst="wedgeEllipseCallout">
+            <a:avLst>
+              <a:gd name="adj1" fmla="val 12256"/>
+              <a:gd name="adj2" fmla="val -82312"/>
+            </a:avLst>
+          </a:prstGeom>
+        </p:spPr>
+        <p:style>
+          <a:lnRef idx="2">
+            <a:schemeClr val="accent6">
+              <a:shade val="50000"/>
+            </a:schemeClr>
+          </a:lnRef>
+          <a:fillRef idx="1">
+            <a:schemeClr val="accent6"/>
+          </a:fillRef>
+          <a:effectRef idx="0">
+            <a:schemeClr val="accent6"/>
+          </a:effectRef>
+          <a:fontRef idx="minor">
+            <a:schemeClr val="lt1"/>
+          </a:fontRef>
+        </p:style>
+        <p:txBody>
+          <a:bodyPr rtlCol="0" anchor="ctr"/>
+          <a:lstStyle/>
+          <a:p>
+            <a:pPr algn="ctr"/>
+            <a:r>
+              <a:rPr kumimoji="1" lang="en-US" altLang="ja-JP" dirty="0" smtClean="0"/>
+              <a:t>f</a:t>
+            </a:r>
+            <a:endParaRPr kumimoji="1" lang="ja-JP" altLang="en-US" dirty="0"/>
+          </a:p>
+        </p:txBody>
+      </p:sp>
+      <p:sp>
+        <p:nvSpPr>
+          <p:cNvPr id="18" name="正方形/長方形 17"/>
+          <p:cNvSpPr/>
+          <p:nvPr/>
+        </p:nvSpPr>
+        <p:spPr>
+          <a:xfrm>
+            <a:off x="7171124" y="2555975"/>
+            <a:ext cx="623534" cy="343694"/>
+          </a:xfrm>
+          <a:prstGeom prst="rect">
+            <a:avLst/>
+          </a:prstGeom>
+          <a:solidFill>
+            <a:schemeClr val="tx1"/>
+          </a:solidFill>
+          <a:ln>
+            <a:noFill/>
+          </a:ln>
+        </p:spPr>
+        <p:style>
+          <a:lnRef idx="1">
+            <a:schemeClr val="accent3"/>
+          </a:lnRef>
+          <a:fillRef idx="3">
+            <a:schemeClr val="accent3"/>
+          </a:fillRef>
+          <a:effectRef idx="2">
+            <a:schemeClr val="accent3"/>
+          </a:effectRef>
+          <a:fontRef idx="minor">
+            <a:schemeClr val="lt1"/>
+          </a:fontRef>
+        </p:style>
+        <p:txBody>
+          <a:bodyPr rtlCol="0" anchor="ctr"/>
+          <a:lstStyle/>
+          <a:p>
+            <a:pPr algn="ctr"/>
+            <a:endParaRPr kumimoji="1" lang="ja-JP" altLang="en-US" dirty="0"/>
+          </a:p>
+        </p:txBody>
+      </p:sp>
+      <p:sp>
+        <p:nvSpPr>
+          <p:cNvPr id="19" name="正方形/長方形 18"/>
+          <p:cNvSpPr/>
+          <p:nvPr/>
+        </p:nvSpPr>
+        <p:spPr>
+          <a:xfrm rot="1367464">
+            <a:off x="6702054" y="2479865"/>
+            <a:ext cx="526597" cy="245777"/>
+          </a:xfrm>
+          <a:prstGeom prst="rect">
+            <a:avLst/>
+          </a:prstGeom>
+          <a:solidFill>
+            <a:schemeClr val="tx1"/>
+          </a:solidFill>
+          <a:ln>
+            <a:noFill/>
+          </a:ln>
+        </p:spPr>
+        <p:style>
+          <a:lnRef idx="1">
+            <a:schemeClr val="accent3"/>
+          </a:lnRef>
+          <a:fillRef idx="3">
+            <a:schemeClr val="accent3"/>
+          </a:fillRef>
+          <a:effectRef idx="2">
+            <a:schemeClr val="accent3"/>
+          </a:effectRef>
+          <a:fontRef idx="minor">
+            <a:schemeClr val="lt1"/>
+          </a:fontRef>
+        </p:style>
+        <p:txBody>
+          <a:bodyPr rtlCol="0" anchor="ctr"/>
+          <a:lstStyle/>
+          <a:p>
+            <a:pPr algn="ctr"/>
+            <a:endParaRPr kumimoji="1" lang="ja-JP" altLang="en-US" dirty="0"/>
+          </a:p>
+        </p:txBody>
+      </p:sp>
+      <p:sp>
+        <p:nvSpPr>
+          <p:cNvPr id="20" name="正方形/長方形 19"/>
+          <p:cNvSpPr/>
+          <p:nvPr/>
+        </p:nvSpPr>
+        <p:spPr>
+          <a:xfrm rot="20521425">
+            <a:off x="6691206" y="2712327"/>
+            <a:ext cx="526597" cy="245777"/>
+          </a:xfrm>
+          <a:prstGeom prst="rect">
+            <a:avLst/>
+          </a:prstGeom>
+          <a:solidFill>
+            <a:schemeClr val="tx1"/>
+          </a:solidFill>
+          <a:ln>
+            <a:noFill/>
+          </a:ln>
+        </p:spPr>
+        <p:style>
+          <a:lnRef idx="1">
+            <a:schemeClr val="accent3"/>
+          </a:lnRef>
+          <a:fillRef idx="3">
+            <a:schemeClr val="accent3"/>
+          </a:fillRef>
+          <a:effectRef idx="2">
+            <a:schemeClr val="accent3"/>
+          </a:effectRef>
+          <a:fontRef idx="minor">
+            <a:schemeClr val="lt1"/>
+          </a:fontRef>
+        </p:style>
+        <p:txBody>
+          <a:bodyPr rtlCol="0" anchor="ctr"/>
+          <a:lstStyle/>
+          <a:p>
+            <a:pPr algn="ctr"/>
+            <a:endParaRPr kumimoji="1" lang="ja-JP" altLang="en-US" dirty="0"/>
+          </a:p>
+        </p:txBody>
+      </p:sp>
+      <p:sp>
+        <p:nvSpPr>
+          <p:cNvPr id="22" name="正方形/長方形 21"/>
+          <p:cNvSpPr/>
+          <p:nvPr/>
+        </p:nvSpPr>
+        <p:spPr>
+          <a:xfrm>
+            <a:off x="9833011" y="2525289"/>
+            <a:ext cx="623534" cy="353278"/>
+          </a:xfrm>
+          <a:prstGeom prst="rect">
+            <a:avLst/>
+          </a:prstGeom>
+          <a:solidFill>
+            <a:schemeClr val="tx1"/>
+          </a:solidFill>
+          <a:ln>
+            <a:noFill/>
+          </a:ln>
+        </p:spPr>
+        <p:style>
+          <a:lnRef idx="1">
+            <a:schemeClr val="accent3"/>
+          </a:lnRef>
+          <a:fillRef idx="3">
+            <a:schemeClr val="accent3"/>
+          </a:fillRef>
+          <a:effectRef idx="2">
+            <a:schemeClr val="accent3"/>
+          </a:effectRef>
+          <a:fontRef idx="minor">
+            <a:schemeClr val="lt1"/>
+          </a:fontRef>
+        </p:style>
+        <p:txBody>
+          <a:bodyPr rtlCol="0" anchor="ctr"/>
+          <a:lstStyle/>
+          <a:p>
+            <a:pPr algn="ctr"/>
+            <a:endParaRPr kumimoji="1" lang="ja-JP" altLang="en-US" dirty="0"/>
+          </a:p>
+        </p:txBody>
+      </p:sp>
+      <p:sp>
+        <p:nvSpPr>
+          <p:cNvPr id="23" name="正方形/長方形 22"/>
+          <p:cNvSpPr/>
+          <p:nvPr/>
+        </p:nvSpPr>
+        <p:spPr>
+          <a:xfrm rot="1385434">
+            <a:off x="10426490" y="2724645"/>
+            <a:ext cx="526597" cy="245777"/>
+          </a:xfrm>
+          <a:prstGeom prst="rect">
+            <a:avLst/>
+          </a:prstGeom>
+          <a:solidFill>
+            <a:schemeClr val="tx1"/>
+          </a:solidFill>
+          <a:ln>
+            <a:noFill/>
+          </a:ln>
+        </p:spPr>
+        <p:style>
+          <a:lnRef idx="1">
+            <a:schemeClr val="accent3"/>
+          </a:lnRef>
+          <a:fillRef idx="3">
+            <a:schemeClr val="accent3"/>
+          </a:fillRef>
+          <a:effectRef idx="2">
+            <a:schemeClr val="accent3"/>
+          </a:effectRef>
+          <a:fontRef idx="minor">
+            <a:schemeClr val="lt1"/>
+          </a:fontRef>
+        </p:style>
+        <p:txBody>
+          <a:bodyPr rtlCol="0" anchor="ctr"/>
+          <a:lstStyle/>
+          <a:p>
+            <a:pPr algn="ctr"/>
+            <a:endParaRPr kumimoji="1" lang="ja-JP" altLang="en-US" dirty="0"/>
+          </a:p>
+        </p:txBody>
+      </p:sp>
+      <p:sp>
+        <p:nvSpPr>
+          <p:cNvPr id="24" name="正方形/長方形 23"/>
+          <p:cNvSpPr/>
+          <p:nvPr/>
+        </p:nvSpPr>
+        <p:spPr>
+          <a:xfrm rot="20564265">
+            <a:off x="10371828" y="2451949"/>
+            <a:ext cx="526597" cy="245777"/>
+          </a:xfrm>
+          <a:prstGeom prst="rect">
+            <a:avLst/>
+          </a:prstGeom>
+          <a:solidFill>
+            <a:schemeClr val="tx1"/>
+          </a:solidFill>
+          <a:ln>
+            <a:noFill/>
+          </a:ln>
+        </p:spPr>
+        <p:style>
+          <a:lnRef idx="1">
+            <a:schemeClr val="accent3"/>
+          </a:lnRef>
+          <a:fillRef idx="3">
+            <a:schemeClr val="accent3"/>
+          </a:fillRef>
+          <a:effectRef idx="2">
+            <a:schemeClr val="accent3"/>
+          </a:effectRef>
+          <a:fontRef idx="minor">
+            <a:schemeClr val="lt1"/>
+          </a:fontRef>
+        </p:style>
+        <p:txBody>
+          <a:bodyPr rtlCol="0" anchor="ctr"/>
+          <a:lstStyle/>
+          <a:p>
+            <a:pPr algn="ctr"/>
+            <a:endParaRPr kumimoji="1" lang="ja-JP" altLang="en-US" dirty="0"/>
+          </a:p>
+        </p:txBody>
+      </p:sp>
+      <p:sp>
+        <p:nvSpPr>
+          <p:cNvPr id="27" name="正方形/長方形 26"/>
+          <p:cNvSpPr/>
+          <p:nvPr/>
+        </p:nvSpPr>
+        <p:spPr>
+          <a:xfrm>
+            <a:off x="8409081" y="813283"/>
+            <a:ext cx="623534" cy="177977"/>
+          </a:xfrm>
+          <a:prstGeom prst="rect">
+            <a:avLst/>
+          </a:prstGeom>
+          <a:solidFill>
+            <a:schemeClr val="tx1"/>
+          </a:solidFill>
+          <a:ln>
+            <a:noFill/>
+          </a:ln>
+        </p:spPr>
+        <p:style>
+          <a:lnRef idx="1">
+            <a:schemeClr val="accent3"/>
+          </a:lnRef>
+          <a:fillRef idx="3">
+            <a:schemeClr val="accent3"/>
+          </a:fillRef>
+          <a:effectRef idx="2">
+            <a:schemeClr val="accent3"/>
+          </a:effectRef>
+          <a:fontRef idx="minor">
+            <a:schemeClr val="lt1"/>
+          </a:fontRef>
+        </p:style>
+        <p:txBody>
+          <a:bodyPr rtlCol="0" anchor="ctr"/>
+          <a:lstStyle/>
+          <a:p>
+            <a:pPr algn="ctr"/>
+            <a:endParaRPr kumimoji="1" lang="ja-JP" altLang="en-US" dirty="0"/>
+          </a:p>
+        </p:txBody>
+      </p:sp>
+      <p:sp>
+        <p:nvSpPr>
+          <p:cNvPr id="28" name="正方形/長方形 27"/>
+          <p:cNvSpPr/>
+          <p:nvPr/>
+        </p:nvSpPr>
+        <p:spPr>
+          <a:xfrm>
+            <a:off x="8409081" y="4430806"/>
+            <a:ext cx="623534" cy="188707"/>
+          </a:xfrm>
+          <a:prstGeom prst="rect">
+            <a:avLst/>
+          </a:prstGeom>
+          <a:solidFill>
+            <a:schemeClr val="tx1"/>
+          </a:solidFill>
+          <a:ln>
+            <a:noFill/>
+          </a:ln>
+        </p:spPr>
+        <p:style>
+          <a:lnRef idx="1">
+            <a:schemeClr val="accent3"/>
+          </a:lnRef>
+          <a:fillRef idx="3">
+            <a:schemeClr val="accent3"/>
+          </a:fillRef>
+          <a:effectRef idx="2">
+            <a:schemeClr val="accent3"/>
+          </a:effectRef>
+          <a:fontRef idx="minor">
+            <a:schemeClr val="lt1"/>
+          </a:fontRef>
+        </p:style>
+        <p:txBody>
+          <a:bodyPr rtlCol="0" anchor="ctr"/>
+          <a:lstStyle/>
+          <a:p>
+            <a:pPr algn="ctr"/>
+            <a:endParaRPr kumimoji="1" lang="ja-JP" altLang="en-US" dirty="0"/>
+          </a:p>
+        </p:txBody>
+      </p:sp>
+      <p:sp>
+        <p:nvSpPr>
+          <p:cNvPr id="29" name="テキスト ボックス 28"/>
+          <p:cNvSpPr txBox="1"/>
+          <p:nvPr/>
+        </p:nvSpPr>
+        <p:spPr>
+          <a:xfrm>
+            <a:off x="8183315" y="439714"/>
+            <a:ext cx="2163906" cy="369332"/>
+          </a:xfrm>
+          <a:prstGeom prst="rect">
+            <a:avLst/>
+          </a:prstGeom>
+          <a:noFill/>
+        </p:spPr>
+        <p:txBody>
+          <a:bodyPr wrap="square" rtlCol="0">
+            <a:spAutoFit/>
+          </a:bodyPr>
+          <a:lstStyle/>
+          <a:p>
+            <a:r>
+              <a:rPr kumimoji="1" lang="en-US" altLang="ja-JP" dirty="0" smtClean="0"/>
+              <a:t>Start/</a:t>
+            </a:r>
             <a:r>
               <a:rPr kumimoji="1" lang="ja-JP" altLang="en-US" dirty="0" smtClean="0"/>
-              <a:t>自律判断（超音波）で確認して</a:t>
-            </a:r>
-            <a:r>
-              <a:rPr lang="ja-JP" altLang="en-US" dirty="0" smtClean="0"/>
-              <a:t>通行する。</a:t>
-            </a:r>
-            <a:endParaRPr lang="en-US" altLang="ja-JP" dirty="0" smtClean="0"/>
-          </a:p>
-          <a:p>
-            <a:pPr lvl="1"/>
+              <a:t>客待ち　→</a:t>
+            </a:r>
+            <a:endParaRPr kumimoji="1" lang="ja-JP" altLang="en-US" dirty="0"/>
+          </a:p>
+        </p:txBody>
+      </p:sp>
+      <p:sp>
+        <p:nvSpPr>
+          <p:cNvPr id="30" name="テキスト ボックス 29"/>
+          <p:cNvSpPr txBox="1"/>
+          <p:nvPr/>
+        </p:nvSpPr>
+        <p:spPr>
+          <a:xfrm>
+            <a:off x="8183315" y="4683501"/>
+            <a:ext cx="2163906" cy="369332"/>
+          </a:xfrm>
+          <a:prstGeom prst="rect">
+            <a:avLst/>
+          </a:prstGeom>
+          <a:noFill/>
+        </p:spPr>
+        <p:txBody>
+          <a:bodyPr wrap="square" rtlCol="0">
+            <a:spAutoFit/>
+          </a:bodyPr>
+          <a:lstStyle/>
+          <a:p>
             <a:r>
               <a:rPr kumimoji="1" lang="ja-JP" altLang="en-US" dirty="0" smtClean="0"/>
-              <a:t>課題：同じタイミングで相手がいる場合、デッドロックになる。</a:t>
-            </a:r>
-            <a:endParaRPr kumimoji="1" lang="en-US" altLang="ja-JP" dirty="0" smtClean="0"/>
-          </a:p>
-          <a:p>
-            <a:pPr lvl="1"/>
-            <a:r>
-              <a:rPr lang="ja-JP" altLang="en-US" dirty="0" smtClean="0"/>
-              <a:t>→走行ルールを決める必要がある。</a:t>
-            </a:r>
-            <a:endParaRPr kumimoji="1" lang="en-US" altLang="ja-JP" dirty="0" smtClean="0"/>
-          </a:p>
-          <a:p>
-            <a:pPr marL="514350" indent="-514350">
-              <a:buFont typeface="+mj-lt"/>
-              <a:buAutoNum type="arabicPeriod"/>
-            </a:pPr>
-            <a:r>
-              <a:rPr lang="ja-JP" altLang="en-US" dirty="0" smtClean="0"/>
-              <a:t>信号で通行を制御する。</a:t>
-            </a:r>
-            <a:endParaRPr lang="en-US" altLang="ja-JP" dirty="0" smtClean="0"/>
-          </a:p>
-          <a:p>
-            <a:pPr lvl="1"/>
-            <a:r>
-              <a:rPr lang="ja-JP" altLang="en-US" dirty="0" smtClean="0"/>
-              <a:t>課題：ムダに停止することが多くなる。</a:t>
-            </a:r>
-            <a:endParaRPr lang="en-US" altLang="ja-JP" dirty="0" smtClean="0"/>
-          </a:p>
-          <a:p>
-            <a:pPr lvl="1"/>
-            <a:r>
-              <a:rPr lang="ja-JP" altLang="en-US" dirty="0" smtClean="0"/>
-              <a:t>→クラウドシステムで、走行体の位置に応じた信号制御する。</a:t>
-            </a:r>
-            <a:endParaRPr lang="en-US" altLang="ja-JP" dirty="0" smtClean="0"/>
-          </a:p>
-          <a:p>
-            <a:pPr marL="514350" indent="-514350">
-              <a:buFont typeface="+mj-lt"/>
-              <a:buAutoNum type="arabicPeriod"/>
-            </a:pPr>
-            <a:r>
-              <a:rPr lang="ja-JP" altLang="en-US" dirty="0" smtClean="0"/>
-              <a:t>クラウド信号システムだけで安全を保てるか？</a:t>
-            </a:r>
-            <a:endParaRPr lang="en-US" altLang="ja-JP" dirty="0" smtClean="0"/>
-          </a:p>
-          <a:p>
-            <a:pPr lvl="1"/>
-            <a:r>
-              <a:rPr lang="ja-JP" altLang="en-US" dirty="0" smtClean="0"/>
-              <a:t>課題：自律判断ができない距離であっても安全に交互通行できること。</a:t>
-            </a:r>
-            <a:endParaRPr lang="en-US" altLang="ja-JP" dirty="0" smtClean="0"/>
-          </a:p>
-          <a:p>
-            <a:pPr lvl="1"/>
-            <a:r>
-              <a:rPr lang="ja-JP" altLang="en-US" dirty="0" smtClean="0"/>
-              <a:t>→クラウドシステムのみで、安全を確保する設計をする。</a:t>
-            </a:r>
-            <a:endParaRPr lang="en-US" altLang="ja-JP" dirty="0" smtClean="0"/>
+              <a:t>←</a:t>
+            </a:r>
+            <a:r>
+              <a:rPr kumimoji="1" lang="en-US" altLang="ja-JP" dirty="0" smtClean="0"/>
+              <a:t>Start/</a:t>
+            </a:r>
+            <a:r>
+              <a:rPr kumimoji="1" lang="ja-JP" altLang="en-US" dirty="0" smtClean="0"/>
+              <a:t>客待ち</a:t>
+            </a:r>
+            <a:endParaRPr kumimoji="1" lang="ja-JP" altLang="en-US" dirty="0"/>
           </a:p>
         </p:txBody>
       </p:sp>
     </p:spTree>
     <p:extLst>
       <p:ext uri="{BB962C8B-B14F-4D97-AF65-F5344CB8AC3E}">
-        <p14:creationId xmlns:p14="http://schemas.microsoft.com/office/powerpoint/2010/main" val="749218547"/>
+        <p14:creationId xmlns:p14="http://schemas.microsoft.com/office/powerpoint/2010/main" val="4105136152"/>
       </p:ext>
     </p:extLst>
   </p:cSld>
   <p:clrMapOvr>
     <a:masterClrMapping/>
   </p:clrMapOvr>
-  <p:timing>
-    <p:tnLst>
-      <p:par>
-        <p:cTn id="1" dur="indefinite" restart="never" nodeType="tmRoot"/>
-      </p:par>
-    </p:tnLst>
-  </p:timing>
 </p:sld>
 </file>
 
@@ -4958,74 +6166,134 @@
           <a:lstStyle/>
           <a:p>
             <a:r>
+              <a:rPr kumimoji="1" lang="ja-JP" altLang="en-US" dirty="0" smtClean="0"/>
+              <a:t>交互通行</a:t>
+            </a:r>
+            <a:r>
+              <a:rPr kumimoji="1" lang="ja-JP" altLang="en-US" dirty="0" smtClean="0"/>
+              <a:t>方式（初期案）</a:t>
+            </a:r>
+            <a:endParaRPr kumimoji="1" lang="ja-JP" altLang="en-US" dirty="0"/>
+          </a:p>
+        </p:txBody>
+      </p:sp>
+      <p:sp>
+        <p:nvSpPr>
+          <p:cNvPr id="3" name="コンテンツ プレースホルダー 2"/>
+          <p:cNvSpPr>
+            <a:spLocks noGrp="1"/>
+          </p:cNvSpPr>
+          <p:nvPr>
+            <p:ph idx="1"/>
+          </p:nvPr>
+        </p:nvSpPr>
+        <p:spPr/>
+        <p:txBody>
+          <a:bodyPr/>
+          <a:lstStyle/>
+          <a:p>
+            <a:pPr marL="514350" indent="-514350">
+              <a:buFont typeface="+mj-lt"/>
+              <a:buAutoNum type="arabicPeriod"/>
+            </a:pPr>
+            <a:r>
+              <a:rPr kumimoji="1" lang="ja-JP" altLang="en-US" dirty="0" smtClean="0"/>
+              <a:t>自律判断（超音波）で確認して</a:t>
+            </a:r>
+            <a:r>
               <a:rPr lang="ja-JP" altLang="en-US" dirty="0" smtClean="0"/>
-              <a:t>タクシー</a:t>
-            </a:r>
+              <a:t>通行する。</a:t>
+            </a:r>
+            <a:endParaRPr lang="en-US" altLang="ja-JP" dirty="0" smtClean="0"/>
+          </a:p>
+          <a:p>
+            <a:pPr lvl="1"/>
             <a:r>
               <a:rPr kumimoji="1" lang="ja-JP" altLang="en-US" dirty="0" smtClean="0"/>
-              <a:t>の制御について</a:t>
-            </a:r>
-            <a:endParaRPr kumimoji="1" lang="ja-JP" altLang="en-US" dirty="0"/>
-          </a:p>
-        </p:txBody>
-      </p:sp>
-      <p:sp>
-        <p:nvSpPr>
-          <p:cNvPr id="3" name="コンテンツ プレースホルダー 2"/>
-          <p:cNvSpPr>
-            <a:spLocks noGrp="1"/>
-          </p:cNvSpPr>
-          <p:nvPr>
-            <p:ph idx="1"/>
-          </p:nvPr>
-        </p:nvSpPr>
-        <p:spPr/>
-        <p:txBody>
-          <a:bodyPr/>
-          <a:lstStyle/>
-          <a:p>
-            <a:r>
-              <a:rPr kumimoji="1" lang="ja-JP" altLang="en-US" dirty="0" smtClean="0"/>
-              <a:t>お客様（</a:t>
-            </a:r>
-            <a:r>
-              <a:rPr kumimoji="1" lang="en-US" altLang="ja-JP" dirty="0" smtClean="0"/>
-              <a:t>PC</a:t>
-            </a:r>
-            <a:r>
-              <a:rPr kumimoji="1" lang="ja-JP" altLang="en-US" dirty="0" smtClean="0"/>
-              <a:t>）から依頼がくる。　例：</a:t>
-            </a:r>
-            <a:r>
-              <a:rPr kumimoji="1" lang="en-US" altLang="ja-JP" dirty="0" smtClean="0"/>
-              <a:t>c </a:t>
-            </a:r>
-            <a:r>
-              <a:rPr kumimoji="1" lang="ja-JP" altLang="en-US" dirty="0" smtClean="0"/>
-              <a:t>→ </a:t>
-            </a:r>
-            <a:r>
-              <a:rPr kumimoji="1" lang="en-US" altLang="ja-JP" dirty="0" smtClean="0"/>
-              <a:t>d</a:t>
-            </a:r>
-          </a:p>
-          <a:p>
-            <a:r>
-              <a:rPr lang="ja-JP" altLang="en-US" dirty="0"/>
-              <a:t>タクシー</a:t>
-            </a:r>
+              <a:t>課題：同じタイミングで相手がいる場合、デッドロックになる。</a:t>
+            </a:r>
+            <a:endParaRPr kumimoji="1" lang="en-US" altLang="ja-JP" dirty="0" smtClean="0"/>
+          </a:p>
+          <a:p>
+            <a:pPr lvl="1"/>
             <a:r>
               <a:rPr lang="ja-JP" altLang="en-US" dirty="0" smtClean="0"/>
-              <a:t>は向かいに行き</a:t>
-            </a:r>
-            <a:endParaRPr kumimoji="1" lang="en-US" altLang="ja-JP" dirty="0" smtClean="0"/>
+              <a:t>→安全に走行できるタクシーを</a:t>
+            </a:r>
+            <a:r>
+              <a:rPr lang="ja-JP" altLang="en-US" dirty="0" smtClean="0"/>
+              <a:t>作成</a:t>
+            </a:r>
+            <a:r>
+              <a:rPr lang="ja-JP" altLang="en-US" dirty="0" smtClean="0"/>
+              <a:t>する。</a:t>
+            </a:r>
+            <a:endParaRPr lang="en-US" altLang="ja-JP" dirty="0" smtClean="0"/>
+          </a:p>
+          <a:p>
+            <a:pPr marL="514350" indent="-514350">
+              <a:buFont typeface="+mj-lt"/>
+              <a:buAutoNum type="arabicPeriod"/>
+            </a:pPr>
+            <a:r>
+              <a:rPr lang="ja-JP" altLang="en-US" dirty="0" smtClean="0"/>
+              <a:t>信号</a:t>
+            </a:r>
+            <a:r>
+              <a:rPr lang="ja-JP" altLang="en-US" dirty="0" smtClean="0"/>
+              <a:t>で通行を制御する。</a:t>
+            </a:r>
+            <a:endParaRPr lang="en-US" altLang="ja-JP" dirty="0" smtClean="0"/>
+          </a:p>
+          <a:p>
+            <a:pPr lvl="1"/>
+            <a:r>
+              <a:rPr lang="ja-JP" altLang="en-US" dirty="0" smtClean="0"/>
+              <a:t>課題：ムダに停止することが多くなる。</a:t>
+            </a:r>
+            <a:endParaRPr lang="en-US" altLang="ja-JP" dirty="0" smtClean="0"/>
+          </a:p>
+          <a:p>
+            <a:pPr lvl="1"/>
+            <a:r>
+              <a:rPr lang="ja-JP" altLang="en-US" dirty="0" smtClean="0"/>
+              <a:t>→クラウドシステムで、走行体の位置に応じた信号制御する。</a:t>
+            </a:r>
+            <a:endParaRPr lang="en-US" altLang="ja-JP" dirty="0" smtClean="0"/>
+          </a:p>
+          <a:p>
+            <a:pPr marL="514350" indent="-514350">
+              <a:buFont typeface="+mj-lt"/>
+              <a:buAutoNum type="arabicPeriod"/>
+            </a:pPr>
+            <a:r>
+              <a:rPr lang="ja-JP" altLang="en-US" dirty="0" smtClean="0"/>
+              <a:t>クラウド信号システムだけで安全を保てるか？</a:t>
+            </a:r>
+            <a:endParaRPr lang="en-US" altLang="ja-JP" dirty="0" smtClean="0"/>
+          </a:p>
+          <a:p>
+            <a:pPr lvl="1"/>
+            <a:r>
+              <a:rPr lang="ja-JP" altLang="en-US" dirty="0" smtClean="0"/>
+              <a:t>課題：自律判断ができない距離であっても安全に交互通行できること。</a:t>
+            </a:r>
+            <a:endParaRPr lang="en-US" altLang="ja-JP" dirty="0" smtClean="0"/>
+          </a:p>
+          <a:p>
+            <a:pPr lvl="1"/>
+            <a:r>
+              <a:rPr lang="ja-JP" altLang="en-US" dirty="0" smtClean="0"/>
+              <a:t>→クラウドシステムのみで、安全を確保する設計をする。</a:t>
+            </a:r>
+            <a:endParaRPr lang="en-US" altLang="ja-JP" dirty="0" smtClean="0"/>
           </a:p>
         </p:txBody>
       </p:sp>
     </p:spTree>
     <p:extLst>
       <p:ext uri="{BB962C8B-B14F-4D97-AF65-F5344CB8AC3E}">
-        <p14:creationId xmlns:p14="http://schemas.microsoft.com/office/powerpoint/2010/main" val="3786713505"/>
+        <p14:creationId xmlns:p14="http://schemas.microsoft.com/office/powerpoint/2010/main" val="749218547"/>
       </p:ext>
     </p:extLst>
   </p:cSld>
@@ -5061,7 +6329,7 @@
       </p:grpSpPr>
       <p:sp>
         <p:nvSpPr>
-          <p:cNvPr id="2" name="タイトル 1"/>
+          <p:cNvPr id="4" name="タイトル 3"/>
           <p:cNvSpPr>
             <a:spLocks noGrp="1"/>
           </p:cNvSpPr>
@@ -5074,91 +6342,153 @@
           <a:bodyPr/>
           <a:lstStyle/>
           <a:p>
+            <a:endParaRPr kumimoji="1" lang="ja-JP" altLang="en-US" dirty="0"/>
+          </a:p>
+        </p:txBody>
+      </p:sp>
+      <p:pic>
+        <p:nvPicPr>
+          <p:cNvPr id="6" name="図 5"/>
+          <p:cNvPicPr>
+            <a:picLocks noChangeAspect="1"/>
+          </p:cNvPicPr>
+          <p:nvPr/>
+        </p:nvPicPr>
+        <p:blipFill>
+          <a:blip r:embed="rId2"/>
+          <a:stretch>
+            <a:fillRect/>
+          </a:stretch>
+        </p:blipFill>
+        <p:spPr>
+          <a:xfrm>
+            <a:off x="577948" y="276445"/>
+            <a:ext cx="8315325" cy="6276975"/>
+          </a:xfrm>
+          <a:prstGeom prst="rect">
+            <a:avLst/>
+          </a:prstGeom>
+        </p:spPr>
+      </p:pic>
+      <p:sp>
+        <p:nvSpPr>
+          <p:cNvPr id="7" name="テキスト ボックス 6"/>
+          <p:cNvSpPr txBox="1"/>
+          <p:nvPr/>
+        </p:nvSpPr>
+        <p:spPr>
+          <a:xfrm>
+            <a:off x="8893272" y="1885071"/>
+            <a:ext cx="3071299" cy="4524315"/>
+          </a:xfrm>
+          <a:prstGeom prst="rect">
+            <a:avLst/>
+          </a:prstGeom>
+          <a:noFill/>
+        </p:spPr>
+        <p:txBody>
+          <a:bodyPr wrap="square" rtlCol="0">
+            <a:spAutoFit/>
+          </a:bodyPr>
+          <a:lstStyle/>
+          <a:p>
+            <a:pPr marL="342900" indent="-342900">
+              <a:buFont typeface="+mj-lt"/>
+              <a:buAutoNum type="arabicPeriod"/>
+            </a:pPr>
             <a:r>
               <a:rPr kumimoji="1" lang="ja-JP" altLang="en-US" dirty="0" smtClean="0"/>
-              <a:t>走行体の特徴</a:t>
-            </a:r>
-            <a:endParaRPr kumimoji="1" lang="ja-JP" altLang="en-US" dirty="0"/>
-          </a:p>
-        </p:txBody>
-      </p:sp>
-      <p:sp>
-        <p:nvSpPr>
-          <p:cNvPr id="3" name="コンテンツ プレースホルダー 2"/>
-          <p:cNvSpPr>
-            <a:spLocks noGrp="1"/>
-          </p:cNvSpPr>
-          <p:nvPr>
-            <p:ph idx="1"/>
-          </p:nvPr>
-        </p:nvSpPr>
-        <p:spPr/>
-        <p:txBody>
-          <a:bodyPr/>
-          <a:lstStyle/>
-          <a:p>
-            <a:r>
-              <a:rPr kumimoji="1" lang="ja-JP" altLang="en-US" dirty="0" smtClean="0"/>
-              <a:t>進行方向に対して左側エッジを探して進行するロボット。</a:t>
-            </a:r>
+              <a:t>（予約する）タクシー利用者は、交通システムに、タクシー利用の予約をする</a:t>
+            </a:r>
+            <a:r>
+              <a:rPr lang="ja-JP" altLang="en-US" dirty="0" smtClean="0"/>
+              <a:t>。　乗車場、降車場を指定する。</a:t>
+            </a:r>
+            <a:endParaRPr lang="en-US" altLang="ja-JP" dirty="0" smtClean="0"/>
+          </a:p>
+          <a:p>
+            <a:pPr marL="342900" indent="-342900">
+              <a:buFont typeface="+mj-lt"/>
+              <a:buAutoNum type="arabicPeriod"/>
+            </a:pPr>
+            <a:r>
+              <a:rPr lang="ja-JP" altLang="en-US" dirty="0" smtClean="0"/>
+              <a:t>（配車する）交通システムは、タクシーに対して送迎業務の指示をする。</a:t>
+            </a:r>
+            <a:endParaRPr lang="en-US" altLang="ja-JP" dirty="0" smtClean="0"/>
+          </a:p>
+          <a:p>
+            <a:pPr marL="342900" indent="-342900">
+              <a:buFont typeface="+mj-lt"/>
+              <a:buAutoNum type="arabicPeriod"/>
+            </a:pPr>
+            <a:r>
+              <a:rPr lang="ja-JP" altLang="en-US" dirty="0" smtClean="0"/>
+              <a:t>（送迎走行する）タクシーは利用者のところに向かい、乗車～降車する。　詳細は、タクシーの業務状態で説明する</a:t>
+            </a:r>
+            <a:r>
+              <a:rPr lang="ja-JP" altLang="en-US" dirty="0"/>
+              <a:t>。</a:t>
+            </a:r>
+            <a:endParaRPr lang="en-US" altLang="ja-JP" dirty="0"/>
+          </a:p>
+          <a:p>
+            <a:pPr marL="342900" indent="-342900">
+              <a:buFont typeface="+mj-lt"/>
+              <a:buAutoNum type="arabicPeriod"/>
+            </a:pPr>
+            <a:endParaRPr lang="en-US" altLang="ja-JP" dirty="0" smtClean="0"/>
+          </a:p>
+          <a:p>
+            <a:pPr marL="342900" indent="-342900">
+              <a:buFont typeface="+mj-lt"/>
+              <a:buAutoNum type="arabicPeriod"/>
+            </a:pPr>
+            <a:endParaRPr lang="en-US" altLang="ja-JP" dirty="0" smtClean="0"/>
+          </a:p>
+          <a:p>
+            <a:pPr marL="342900" indent="-342900">
+              <a:buFont typeface="+mj-lt"/>
+              <a:buAutoNum type="arabicPeriod"/>
+            </a:pPr>
             <a:endParaRPr kumimoji="1" lang="en-US" altLang="ja-JP" dirty="0" smtClean="0"/>
           </a:p>
-          <a:p>
-            <a:r>
-              <a:rPr lang="ja-JP" altLang="en-US" dirty="0"/>
-              <a:t>進行</a:t>
-            </a:r>
-            <a:r>
-              <a:rPr lang="ja-JP" altLang="en-US" dirty="0" smtClean="0"/>
-              <a:t>方向を右周り／左周り（前進後退）に変更できる。</a:t>
-            </a:r>
-            <a:endParaRPr lang="en-US" altLang="ja-JP" dirty="0" smtClean="0"/>
-          </a:p>
-          <a:p>
-            <a:r>
-              <a:rPr lang="en-US" altLang="ja-JP" dirty="0" smtClean="0"/>
-              <a:t>GPS</a:t>
-            </a:r>
-            <a:r>
-              <a:rPr lang="ja-JP" altLang="en-US" dirty="0" smtClean="0"/>
-              <a:t>機能を持つ。</a:t>
-            </a:r>
-            <a:endParaRPr lang="en-US" altLang="ja-JP" dirty="0" smtClean="0"/>
-          </a:p>
-          <a:p>
-            <a:pPr lvl="1"/>
-            <a:r>
-              <a:rPr lang="ja-JP" altLang="en-US" dirty="0"/>
-              <a:t>すれ違い</a:t>
-            </a:r>
-            <a:r>
-              <a:rPr lang="ja-JP" altLang="en-US" dirty="0" smtClean="0"/>
-              <a:t>ができる／できない道を理解している。</a:t>
-            </a:r>
-            <a:endParaRPr lang="en-US" altLang="ja-JP" dirty="0" smtClean="0"/>
-          </a:p>
-          <a:p>
-            <a:endParaRPr lang="en-US" altLang="ja-JP" dirty="0" smtClean="0"/>
-          </a:p>
-        </p:txBody>
-      </p:sp>
+        </p:txBody>
+      </p:sp>
+      <p:pic>
+        <p:nvPicPr>
+          <p:cNvPr id="8" name="図 7"/>
+          <p:cNvPicPr>
+            <a:picLocks noChangeAspect="1"/>
+          </p:cNvPicPr>
+          <p:nvPr/>
+        </p:nvPicPr>
+        <p:blipFill>
+          <a:blip r:embed="rId2"/>
+          <a:stretch>
+            <a:fillRect/>
+          </a:stretch>
+        </p:blipFill>
+        <p:spPr>
+          <a:xfrm>
+            <a:off x="577947" y="234242"/>
+            <a:ext cx="8315325" cy="6276975"/>
+          </a:xfrm>
+          <a:prstGeom prst="rect">
+            <a:avLst/>
+          </a:prstGeom>
+        </p:spPr>
+      </p:pic>
     </p:spTree>
     <p:extLst>
       <p:ext uri="{BB962C8B-B14F-4D97-AF65-F5344CB8AC3E}">
-        <p14:creationId xmlns:p14="http://schemas.microsoft.com/office/powerpoint/2010/main" val="1335023532"/>
+        <p14:creationId xmlns:p14="http://schemas.microsoft.com/office/powerpoint/2010/main" val="115097695"/>
       </p:ext>
     </p:extLst>
   </p:cSld>
   <p:clrMapOvr>
     <a:masterClrMapping/>
   </p:clrMapOvr>
-  <p:timing>
-    <p:tnLst>
-      <p:par>
-        <p:cTn id="1" dur="indefinite" restart="never" nodeType="tmRoot"/>
-      </p:par>
-    </p:tnLst>
-  </p:timing>
 </p:sld>
 </file>
 
@@ -5181,7 +6511,7 @@
       </p:grpSpPr>
       <p:sp>
         <p:nvSpPr>
-          <p:cNvPr id="5" name="タイトル 4"/>
+          <p:cNvPr id="4" name="タイトル 3"/>
           <p:cNvSpPr>
             <a:spLocks noGrp="1"/>
           </p:cNvSpPr>
@@ -5189,187 +6519,135 @@
             <p:ph type="title"/>
           </p:nvPr>
         </p:nvSpPr>
-        <p:spPr/>
+        <p:spPr>
+          <a:xfrm>
+            <a:off x="991772" y="365126"/>
+            <a:ext cx="10362027" cy="879866"/>
+          </a:xfrm>
+        </p:spPr>
         <p:txBody>
           <a:bodyPr/>
           <a:lstStyle/>
           <a:p>
             <a:r>
               <a:rPr kumimoji="1" lang="ja-JP" altLang="en-US" dirty="0" smtClean="0"/>
-              <a:t>制約</a:t>
+              <a:t>タクシーの業務状態</a:t>
             </a:r>
             <a:endParaRPr kumimoji="1" lang="ja-JP" altLang="en-US" dirty="0"/>
           </a:p>
         </p:txBody>
       </p:sp>
-      <p:graphicFrame>
-        <p:nvGraphicFramePr>
-          <p:cNvPr id="7" name="コンテンツ プレースホルダー 6"/>
-          <p:cNvGraphicFramePr>
-            <a:graphicFrameLocks noGrp="1"/>
-          </p:cNvGraphicFramePr>
-          <p:nvPr>
-            <p:ph idx="1"/>
-            <p:extLst>
-              <p:ext uri="{D42A27DB-BD31-4B8C-83A1-F6EECF244321}">
-                <p14:modId xmlns:p14="http://schemas.microsoft.com/office/powerpoint/2010/main" val="3022975642"/>
-              </p:ext>
-            </p:extLst>
-          </p:nvPr>
-        </p:nvGraphicFramePr>
-        <p:xfrm>
-          <a:off x="838200" y="1825625"/>
-          <a:ext cx="10515600" cy="1854200"/>
-        </p:xfrm>
-        <a:graphic>
-          <a:graphicData uri="http://schemas.openxmlformats.org/drawingml/2006/table">
-            <a:tbl>
-              <a:tblPr firstRow="1" bandRow="1">
-                <a:tableStyleId>{5C22544A-7EE6-4342-B048-85BDC9FD1C3A}</a:tableStyleId>
-              </a:tblPr>
-              <a:tblGrid>
-                <a:gridCol w="3370545"/>
-                <a:gridCol w="7145055"/>
-              </a:tblGrid>
-              <a:tr h="370840">
-                <a:tc>
-                  <a:txBody>
-                    <a:bodyPr/>
-                    <a:lstStyle/>
-                    <a:p>
-                      <a:endParaRPr kumimoji="1" lang="ja-JP" altLang="en-US" dirty="0"/>
-                    </a:p>
-                  </a:txBody>
-                  <a:tcPr/>
-                </a:tc>
-                <a:tc>
-                  <a:txBody>
-                    <a:bodyPr/>
-                    <a:lstStyle/>
-                    <a:p>
-                      <a:endParaRPr kumimoji="1" lang="ja-JP" altLang="en-US" dirty="0"/>
-                    </a:p>
-                  </a:txBody>
-                  <a:tcPr/>
-                </a:tc>
-              </a:tr>
-              <a:tr h="370840">
-                <a:tc>
-                  <a:txBody>
-                    <a:bodyPr/>
-                    <a:lstStyle/>
-                    <a:p>
-                      <a:r>
-                        <a:rPr kumimoji="1" lang="ja-JP" altLang="en-US" dirty="0" smtClean="0"/>
-                        <a:t>ロボットの衝突がないこと</a:t>
-                      </a:r>
-                      <a:endParaRPr kumimoji="1" lang="en-US" altLang="ja-JP" dirty="0" smtClean="0"/>
-                    </a:p>
-                  </a:txBody>
-                  <a:tcPr/>
-                </a:tc>
-                <a:tc>
-                  <a:txBody>
-                    <a:bodyPr/>
-                    <a:lstStyle/>
-                    <a:p>
-                      <a:endParaRPr kumimoji="1" lang="ja-JP" altLang="en-US" dirty="0"/>
-                    </a:p>
-                  </a:txBody>
-                  <a:tcPr/>
-                </a:tc>
-              </a:tr>
-              <a:tr h="370840">
-                <a:tc>
-                  <a:txBody>
-                    <a:bodyPr/>
-                    <a:lstStyle/>
-                    <a:p>
-                      <a:r>
-                        <a:rPr kumimoji="1" lang="ja-JP" altLang="en-US" dirty="0" smtClean="0"/>
-                        <a:t>予約エラーがないこと</a:t>
-                      </a:r>
-                      <a:endParaRPr kumimoji="1" lang="ja-JP" altLang="en-US" dirty="0"/>
-                    </a:p>
-                  </a:txBody>
-                  <a:tcPr/>
-                </a:tc>
-                <a:tc>
-                  <a:txBody>
-                    <a:bodyPr/>
-                    <a:lstStyle/>
-                    <a:p>
-                      <a:endParaRPr kumimoji="1" lang="ja-JP" altLang="en-US"/>
-                    </a:p>
-                  </a:txBody>
-                  <a:tcPr/>
-                </a:tc>
-              </a:tr>
-              <a:tr h="370840">
-                <a:tc>
-                  <a:txBody>
-                    <a:bodyPr/>
-                    <a:lstStyle/>
-                    <a:p>
-                      <a:endParaRPr kumimoji="1" lang="ja-JP" altLang="en-US" dirty="0"/>
-                    </a:p>
-                  </a:txBody>
-                  <a:tcPr/>
-                </a:tc>
-                <a:tc>
-                  <a:txBody>
-                    <a:bodyPr/>
-                    <a:lstStyle/>
-                    <a:p>
-                      <a:endParaRPr kumimoji="1" lang="ja-JP" altLang="en-US"/>
-                    </a:p>
-                  </a:txBody>
-                  <a:tcPr/>
-                </a:tc>
-              </a:tr>
-              <a:tr h="370840">
-                <a:tc>
-                  <a:txBody>
-                    <a:bodyPr/>
-                    <a:lstStyle/>
-                    <a:p>
-                      <a:endParaRPr kumimoji="1" lang="ja-JP" altLang="en-US"/>
-                    </a:p>
-                  </a:txBody>
-                  <a:tcPr/>
-                </a:tc>
-                <a:tc>
-                  <a:txBody>
-                    <a:bodyPr/>
-                    <a:lstStyle/>
-                    <a:p>
-                      <a:endParaRPr kumimoji="1" lang="ja-JP" altLang="en-US" dirty="0"/>
-                    </a:p>
-                  </a:txBody>
-                  <a:tcPr/>
-                </a:tc>
-              </a:tr>
-            </a:tbl>
-          </a:graphicData>
-        </a:graphic>
-      </p:graphicFrame>
+      <p:pic>
+        <p:nvPicPr>
+          <p:cNvPr id="7" name="図 6"/>
+          <p:cNvPicPr>
+            <a:picLocks noChangeAspect="1"/>
+          </p:cNvPicPr>
+          <p:nvPr/>
+        </p:nvPicPr>
+        <p:blipFill>
+          <a:blip r:embed="rId2"/>
+          <a:stretch>
+            <a:fillRect/>
+          </a:stretch>
+        </p:blipFill>
+        <p:spPr>
+          <a:xfrm>
+            <a:off x="991772" y="1451538"/>
+            <a:ext cx="6501559" cy="4990559"/>
+          </a:xfrm>
+          <a:prstGeom prst="rect">
+            <a:avLst/>
+          </a:prstGeom>
+        </p:spPr>
+      </p:pic>
+      <p:sp>
+        <p:nvSpPr>
+          <p:cNvPr id="5" name="テキスト ボックス 4"/>
+          <p:cNvSpPr txBox="1"/>
+          <p:nvPr/>
+        </p:nvSpPr>
+        <p:spPr>
+          <a:xfrm>
+            <a:off x="7596554" y="1179118"/>
+            <a:ext cx="4142935" cy="5262979"/>
+          </a:xfrm>
+          <a:prstGeom prst="rect">
+            <a:avLst/>
+          </a:prstGeom>
+          <a:noFill/>
+        </p:spPr>
+        <p:txBody>
+          <a:bodyPr wrap="square" rtlCol="0">
+            <a:spAutoFit/>
+          </a:bodyPr>
+          <a:lstStyle/>
+          <a:p>
+            <a:pPr marL="342900" indent="-342900">
+              <a:buFont typeface="Arial" panose="020B0604020202020204" pitchFamily="34" charset="0"/>
+              <a:buChar char="•"/>
+            </a:pPr>
+            <a:r>
+              <a:rPr lang="ja-JP" altLang="en-US" sz="2800" dirty="0" smtClean="0"/>
+              <a:t>客待ち</a:t>
+            </a:r>
+            <a:r>
+              <a:rPr lang="ja-JP" altLang="en-US" sz="2800" dirty="0"/>
+              <a:t>：システムからの指示を待っている状態。</a:t>
+            </a:r>
+          </a:p>
+          <a:p>
+            <a:pPr marL="342900" indent="-342900">
+              <a:buFont typeface="Arial" panose="020B0604020202020204" pitchFamily="34" charset="0"/>
+              <a:buChar char="•"/>
+            </a:pPr>
+            <a:r>
+              <a:rPr lang="ja-JP" altLang="en-US" sz="2800" dirty="0" smtClean="0"/>
+              <a:t>乗車～賃走（お客様を乗せて走行している）～降車する。</a:t>
+            </a:r>
+            <a:endParaRPr lang="en-US" altLang="ja-JP" sz="2800" dirty="0" smtClean="0"/>
+          </a:p>
+          <a:p>
+            <a:pPr marL="342900" indent="-342900">
+              <a:buFont typeface="Arial" panose="020B0604020202020204" pitchFamily="34" charset="0"/>
+              <a:buChar char="•"/>
+            </a:pPr>
+            <a:r>
+              <a:rPr lang="ja-JP" altLang="en-US" sz="2800" dirty="0" smtClean="0"/>
+              <a:t>回送する。・・・客待ち位置まで移動する。</a:t>
+            </a:r>
+            <a:endParaRPr lang="en-US" altLang="ja-JP" sz="2800" dirty="0" smtClean="0"/>
+          </a:p>
+          <a:p>
+            <a:pPr marL="342900" indent="-342900">
+              <a:buFont typeface="Arial" panose="020B0604020202020204" pitchFamily="34" charset="0"/>
+              <a:buChar char="•"/>
+            </a:pPr>
+            <a:endParaRPr lang="en-US" altLang="ja-JP" sz="2800" dirty="0"/>
+          </a:p>
+          <a:p>
+            <a:pPr marL="342900" indent="-342900">
+              <a:buFont typeface="Arial" panose="020B0604020202020204" pitchFamily="34" charset="0"/>
+              <a:buChar char="•"/>
+            </a:pPr>
+            <a:r>
+              <a:rPr lang="ja-JP" altLang="en-US" sz="2800" dirty="0" smtClean="0"/>
+              <a:t>走行中（迎車中・賃走中・回送中）に関する状態について次項で詳細化する。</a:t>
+            </a:r>
+            <a:endParaRPr kumimoji="1" lang="en-US" altLang="ja-JP" sz="2800" dirty="0" smtClean="0"/>
+          </a:p>
+        </p:txBody>
+      </p:sp>
     </p:spTree>
     <p:extLst>
       <p:ext uri="{BB962C8B-B14F-4D97-AF65-F5344CB8AC3E}">
-        <p14:creationId xmlns:p14="http://schemas.microsoft.com/office/powerpoint/2010/main" val="4190418578"/>
+        <p14:creationId xmlns:p14="http://schemas.microsoft.com/office/powerpoint/2010/main" val="2236758542"/>
       </p:ext>
     </p:extLst>
   </p:cSld>
   <p:clrMapOvr>
     <a:masterClrMapping/>
   </p:clrMapOvr>
-  <p:timing>
-    <p:tnLst>
-      <p:par>
-        <p:cTn id="1" dur="indefinite" restart="never" nodeType="tmRoot"/>
-      </p:par>
-    </p:tnLst>
-  </p:timing>
 </p:sld>
 </file>
 
@@ -5392,7 +6670,7 @@
       </p:grpSpPr>
       <p:sp>
         <p:nvSpPr>
-          <p:cNvPr id="4" name="タイトル 3"/>
+          <p:cNvPr id="2" name="タイトル 1"/>
           <p:cNvSpPr>
             <a:spLocks noGrp="1"/>
           </p:cNvSpPr>
@@ -5400,18 +6678,27 @@
             <p:ph type="title"/>
           </p:nvPr>
         </p:nvSpPr>
-        <p:spPr/>
+        <p:spPr>
+          <a:xfrm>
+            <a:off x="838200" y="365125"/>
+            <a:ext cx="6758354" cy="1325563"/>
+          </a:xfrm>
+        </p:spPr>
         <p:txBody>
           <a:bodyPr/>
           <a:lstStyle/>
           <a:p>
-            <a:endParaRPr kumimoji="1" lang="ja-JP" altLang="en-US"/>
+            <a:r>
+              <a:rPr kumimoji="1" lang="ja-JP" altLang="en-US" dirty="0" smtClean="0"/>
+              <a:t>走行状態</a:t>
+            </a:r>
+            <a:endParaRPr kumimoji="1" lang="ja-JP" altLang="en-US" dirty="0"/>
           </a:p>
         </p:txBody>
       </p:sp>
       <p:pic>
         <p:nvPicPr>
-          <p:cNvPr id="7" name="図 6"/>
+          <p:cNvPr id="3" name="図 2"/>
           <p:cNvPicPr>
             <a:picLocks noChangeAspect="1"/>
           </p:cNvPicPr>
@@ -5425,18 +6712,96 @@
         </p:blipFill>
         <p:spPr>
           <a:xfrm>
-            <a:off x="838200" y="365125"/>
-            <a:ext cx="7886075" cy="6053305"/>
+            <a:off x="555674" y="1616471"/>
+            <a:ext cx="7040880" cy="4899843"/>
           </a:xfrm>
           <a:prstGeom prst="rect">
             <a:avLst/>
           </a:prstGeom>
         </p:spPr>
       </p:pic>
+      <p:sp>
+        <p:nvSpPr>
+          <p:cNvPr id="4" name="テキスト ボックス 3"/>
+          <p:cNvSpPr txBox="1"/>
+          <p:nvPr/>
+        </p:nvSpPr>
+        <p:spPr>
+          <a:xfrm>
+            <a:off x="7413674" y="1544878"/>
+            <a:ext cx="4382086" cy="4154984"/>
+          </a:xfrm>
+          <a:prstGeom prst="rect">
+            <a:avLst/>
+          </a:prstGeom>
+          <a:noFill/>
+        </p:spPr>
+        <p:txBody>
+          <a:bodyPr wrap="square" rtlCol="0">
+            <a:spAutoFit/>
+          </a:bodyPr>
+          <a:lstStyle/>
+          <a:p>
+            <a:pPr marL="342900" indent="-342900">
+              <a:buFont typeface="Arial" panose="020B0604020202020204" pitchFamily="34" charset="0"/>
+              <a:buChar char="•"/>
+            </a:pPr>
+            <a:r>
+              <a:rPr lang="ja-JP" altLang="en-US" sz="2400" dirty="0" smtClean="0"/>
+              <a:t>走行開始判断：超音波、タッチセンサ、</a:t>
+            </a:r>
+            <a:r>
+              <a:rPr lang="en-US" altLang="ja-JP" sz="2400" dirty="0" smtClean="0"/>
+              <a:t>Remote</a:t>
+            </a:r>
+            <a:r>
+              <a:rPr lang="ja-JP" altLang="en-US" sz="2400" dirty="0" smtClean="0"/>
+              <a:t>指示の情報から走行する／しないを判断して、走行する。</a:t>
+            </a:r>
+            <a:endParaRPr lang="en-US" altLang="ja-JP" sz="2400" dirty="0" smtClean="0"/>
+          </a:p>
+          <a:p>
+            <a:pPr marL="342900" indent="-342900">
+              <a:buFont typeface="Arial" panose="020B0604020202020204" pitchFamily="34" charset="0"/>
+              <a:buChar char="•"/>
+            </a:pPr>
+            <a:endParaRPr lang="en-US" altLang="ja-JP" sz="2400" dirty="0"/>
+          </a:p>
+          <a:p>
+            <a:pPr marL="342900" indent="-342900">
+              <a:buFont typeface="Arial" panose="020B0604020202020204" pitchFamily="34" charset="0"/>
+              <a:buChar char="•"/>
+            </a:pPr>
+            <a:r>
+              <a:rPr lang="ja-JP" altLang="en-US" sz="2400" dirty="0" smtClean="0"/>
+              <a:t>走行：モーターを駆動している状態。上記の状態と同じく停止が必要な状態になれば停止する。</a:t>
+            </a:r>
+            <a:endParaRPr lang="en-US" altLang="ja-JP" sz="2400" dirty="0" smtClean="0"/>
+          </a:p>
+          <a:p>
+            <a:pPr marL="342900" indent="-342900">
+              <a:buFont typeface="Arial" panose="020B0604020202020204" pitchFamily="34" charset="0"/>
+              <a:buChar char="•"/>
+            </a:pPr>
+            <a:endParaRPr lang="en-US" altLang="ja-JP" sz="2400" dirty="0"/>
+          </a:p>
+          <a:p>
+            <a:pPr marL="342900" indent="-342900">
+              <a:buFont typeface="Arial" panose="020B0604020202020204" pitchFamily="34" charset="0"/>
+              <a:buChar char="•"/>
+            </a:pPr>
+            <a:r>
+              <a:rPr lang="ja-JP" altLang="en-US" sz="2400" dirty="0" smtClean="0"/>
+              <a:t>目的地に到着すると停止する。</a:t>
+            </a:r>
+            <a:endParaRPr lang="ja-JP" altLang="en-US" sz="2400" dirty="0"/>
+          </a:p>
+        </p:txBody>
+      </p:sp>
     </p:spTree>
     <p:extLst>
       <p:ext uri="{BB962C8B-B14F-4D97-AF65-F5344CB8AC3E}">
-        <p14:creationId xmlns:p14="http://schemas.microsoft.com/office/powerpoint/2010/main" val="2236758542"/>
+        <p14:creationId xmlns:p14="http://schemas.microsoft.com/office/powerpoint/2010/main" val="3086686321"/>
       </p:ext>
     </p:extLst>
   </p:cSld>
